--- a/Vortrag/VORLAGE Gruppenpraesentationen(1).pptx
+++ b/Vortrag/VORLAGE Gruppenpraesentationen(1).pptx
@@ -5,23 +5,26 @@
     <p:sldMasterId id="2147483682" r:id="rId1"/>
   </p:sldMasterIdLst>
   <p:notesMasterIdLst>
-    <p:notesMasterId r:id="rId13"/>
+    <p:notesMasterId r:id="rId16"/>
   </p:notesMasterIdLst>
   <p:handoutMasterIdLst>
-    <p:handoutMasterId r:id="rId14"/>
+    <p:handoutMasterId r:id="rId17"/>
   </p:handoutMasterIdLst>
   <p:sldIdLst>
-    <p:sldId id="305" r:id="rId2"/>
+    <p:sldId id="600" r:id="rId2"/>
     <p:sldId id="590" r:id="rId3"/>
-    <p:sldId id="591" r:id="rId4"/>
-    <p:sldId id="592" r:id="rId5"/>
-    <p:sldId id="593" r:id="rId6"/>
-    <p:sldId id="594" r:id="rId7"/>
-    <p:sldId id="595" r:id="rId8"/>
-    <p:sldId id="596" r:id="rId9"/>
-    <p:sldId id="597" r:id="rId10"/>
-    <p:sldId id="598" r:id="rId11"/>
-    <p:sldId id="599" r:id="rId12"/>
+    <p:sldId id="603" r:id="rId4"/>
+    <p:sldId id="604" r:id="rId5"/>
+    <p:sldId id="605" r:id="rId6"/>
+    <p:sldId id="606" r:id="rId7"/>
+    <p:sldId id="607" r:id="rId8"/>
+    <p:sldId id="594" r:id="rId9"/>
+    <p:sldId id="595" r:id="rId10"/>
+    <p:sldId id="608" r:id="rId11"/>
+    <p:sldId id="610" r:id="rId12"/>
+    <p:sldId id="609" r:id="rId13"/>
+    <p:sldId id="598" r:id="rId14"/>
+    <p:sldId id="599" r:id="rId15"/>
   </p:sldIdLst>
   <p:sldSz cx="9144000" cy="5143500" type="screen16x9"/>
   <p:notesSz cx="7099300" cy="10234613"/>
@@ -290,7 +293,7 @@
           <a:p>
             <a:fld id="{B77602DA-7CEE-4298-AF4B-1C87D65BAB06}" type="datetimeFigureOut">
               <a:rPr lang="de-CH" smtClean="0"/>
-              <a:t>08.11.2022</a:t>
+              <a:t>03.12.22</a:t>
             </a:fld>
             <a:endParaRPr lang="de-CH" dirty="0"/>
           </a:p>
@@ -652,7 +655,213 @@
     </p:spTree>
     <p:extLst>
       <p:ext uri="{BB962C8B-B14F-4D97-AF65-F5344CB8AC3E}">
-        <p14:creationId xmlns:p14="http://schemas.microsoft.com/office/powerpoint/2010/main" val="2524600547"/>
+        <p14:creationId xmlns:p14="http://schemas.microsoft.com/office/powerpoint/2010/main" val="578244720"/>
+      </p:ext>
+    </p:extLst>
+  </p:cSld>
+  <p:clrMapOvr>
+    <a:masterClrMapping/>
+  </p:clrMapOvr>
+</p:notes>
+</file>
+
+<file path=ppt/notesSlides/notesSlide10.xml><?xml version="1.0" encoding="utf-8"?>
+<p:notes xmlns:a="http://schemas.openxmlformats.org/drawingml/2006/main" xmlns:r="http://schemas.openxmlformats.org/officeDocument/2006/relationships" xmlns:p="http://schemas.openxmlformats.org/presentationml/2006/main">
+  <p:cSld>
+    <p:spTree>
+      <p:nvGrpSpPr>
+        <p:cNvPr id="1" name=""/>
+        <p:cNvGrpSpPr/>
+        <p:nvPr/>
+      </p:nvGrpSpPr>
+      <p:grpSpPr>
+        <a:xfrm>
+          <a:off x="0" y="0"/>
+          <a:ext cx="0" cy="0"/>
+          <a:chOff x="0" y="0"/>
+          <a:chExt cx="0" cy="0"/>
+        </a:xfrm>
+      </p:grpSpPr>
+      <p:sp>
+        <p:nvSpPr>
+          <p:cNvPr id="2" name="Folienbildplatzhalter 1"/>
+          <p:cNvSpPr>
+            <a:spLocks noGrp="1" noRot="1" noChangeAspect="1"/>
+          </p:cNvSpPr>
+          <p:nvPr>
+            <p:ph type="sldImg"/>
+          </p:nvPr>
+        </p:nvSpPr>
+        <p:spPr/>
+      </p:sp>
+      <p:sp>
+        <p:nvSpPr>
+          <p:cNvPr id="3" name="Notizenplatzhalter 2"/>
+          <p:cNvSpPr>
+            <a:spLocks noGrp="1"/>
+          </p:cNvSpPr>
+          <p:nvPr>
+            <p:ph type="body" idx="1"/>
+          </p:nvPr>
+        </p:nvSpPr>
+        <p:spPr/>
+        <p:txBody>
+          <a:bodyPr/>
+          <a:lstStyle/>
+          <a:p>
+            <a:endParaRPr lang="de-DE" dirty="0"/>
+          </a:p>
+        </p:txBody>
+      </p:sp>
+      <p:sp>
+        <p:nvSpPr>
+          <p:cNvPr id="4" name="Fußzeilenplatzhalter 3"/>
+          <p:cNvSpPr>
+            <a:spLocks noGrp="1"/>
+          </p:cNvSpPr>
+          <p:nvPr>
+            <p:ph type="ftr" sz="quarter" idx="4"/>
+          </p:nvPr>
+        </p:nvSpPr>
+        <p:spPr/>
+        <p:txBody>
+          <a:bodyPr/>
+          <a:lstStyle/>
+          <a:p>
+            <a:endParaRPr lang="de-CH"/>
+          </a:p>
+        </p:txBody>
+      </p:sp>
+      <p:sp>
+        <p:nvSpPr>
+          <p:cNvPr id="5" name="Foliennummernplatzhalter 4"/>
+          <p:cNvSpPr>
+            <a:spLocks noGrp="1"/>
+          </p:cNvSpPr>
+          <p:nvPr>
+            <p:ph type="sldNum" sz="quarter" idx="5"/>
+          </p:nvPr>
+        </p:nvSpPr>
+        <p:spPr/>
+        <p:txBody>
+          <a:bodyPr/>
+          <a:lstStyle/>
+          <a:p>
+            <a:fld id="{B2B24C57-7758-4EF8-8A0E-FE171C8C1817}" type="slidenum">
+              <a:rPr lang="de-CH" smtClean="0"/>
+              <a:t>12</a:t>
+            </a:fld>
+            <a:endParaRPr lang="de-CH"/>
+          </a:p>
+        </p:txBody>
+      </p:sp>
+    </p:spTree>
+    <p:extLst>
+      <p:ext uri="{BB962C8B-B14F-4D97-AF65-F5344CB8AC3E}">
+        <p14:creationId xmlns:p14="http://schemas.microsoft.com/office/powerpoint/2010/main" val="3593518965"/>
+      </p:ext>
+    </p:extLst>
+  </p:cSld>
+  <p:clrMapOvr>
+    <a:masterClrMapping/>
+  </p:clrMapOvr>
+</p:notes>
+</file>
+
+<file path=ppt/notesSlides/notesSlide11.xml><?xml version="1.0" encoding="utf-8"?>
+<p:notes xmlns:a="http://schemas.openxmlformats.org/drawingml/2006/main" xmlns:r="http://schemas.openxmlformats.org/officeDocument/2006/relationships" xmlns:p="http://schemas.openxmlformats.org/presentationml/2006/main">
+  <p:cSld>
+    <p:spTree>
+      <p:nvGrpSpPr>
+        <p:cNvPr id="1" name=""/>
+        <p:cNvGrpSpPr/>
+        <p:nvPr/>
+      </p:nvGrpSpPr>
+      <p:grpSpPr>
+        <a:xfrm>
+          <a:off x="0" y="0"/>
+          <a:ext cx="0" cy="0"/>
+          <a:chOff x="0" y="0"/>
+          <a:chExt cx="0" cy="0"/>
+        </a:xfrm>
+      </p:grpSpPr>
+      <p:sp>
+        <p:nvSpPr>
+          <p:cNvPr id="2" name="Folienbildplatzhalter 1"/>
+          <p:cNvSpPr>
+            <a:spLocks noGrp="1" noRot="1" noChangeAspect="1"/>
+          </p:cNvSpPr>
+          <p:nvPr>
+            <p:ph type="sldImg"/>
+          </p:nvPr>
+        </p:nvSpPr>
+        <p:spPr/>
+      </p:sp>
+      <p:sp>
+        <p:nvSpPr>
+          <p:cNvPr id="3" name="Notizenplatzhalter 2"/>
+          <p:cNvSpPr>
+            <a:spLocks noGrp="1"/>
+          </p:cNvSpPr>
+          <p:nvPr>
+            <p:ph type="body" idx="1"/>
+          </p:nvPr>
+        </p:nvSpPr>
+        <p:spPr/>
+        <p:txBody>
+          <a:bodyPr/>
+          <a:lstStyle/>
+          <a:p>
+            <a:endParaRPr lang="de-CH"/>
+          </a:p>
+        </p:txBody>
+      </p:sp>
+      <p:sp>
+        <p:nvSpPr>
+          <p:cNvPr id="4" name="Fußzeilenplatzhalter 3"/>
+          <p:cNvSpPr>
+            <a:spLocks noGrp="1"/>
+          </p:cNvSpPr>
+          <p:nvPr>
+            <p:ph type="ftr" sz="quarter" idx="10"/>
+          </p:nvPr>
+        </p:nvSpPr>
+        <p:spPr/>
+        <p:txBody>
+          <a:bodyPr/>
+          <a:lstStyle/>
+          <a:p>
+            <a:endParaRPr lang="de-CH"/>
+          </a:p>
+        </p:txBody>
+      </p:sp>
+      <p:sp>
+        <p:nvSpPr>
+          <p:cNvPr id="5" name="Foliennummernplatzhalter 4"/>
+          <p:cNvSpPr>
+            <a:spLocks noGrp="1"/>
+          </p:cNvSpPr>
+          <p:nvPr>
+            <p:ph type="sldNum" sz="quarter" idx="11"/>
+          </p:nvPr>
+        </p:nvSpPr>
+        <p:spPr/>
+        <p:txBody>
+          <a:bodyPr/>
+          <a:lstStyle/>
+          <a:p>
+            <a:fld id="{B2B24C57-7758-4EF8-8A0E-FE171C8C1817}" type="slidenum">
+              <a:rPr lang="de-CH" smtClean="0"/>
+              <a:t>13</a:t>
+            </a:fld>
+            <a:endParaRPr lang="de-CH"/>
+          </a:p>
+        </p:txBody>
+      </p:sp>
+    </p:spTree>
+    <p:extLst>
+      <p:ext uri="{BB962C8B-B14F-4D97-AF65-F5344CB8AC3E}">
+        <p14:creationId xmlns:p14="http://schemas.microsoft.com/office/powerpoint/2010/main" val="750993419"/>
       </p:ext>
     </p:extLst>
   </p:cSld>
@@ -809,7 +1018,7 @@
           <a:bodyPr/>
           <a:lstStyle/>
           <a:p>
-            <a:endParaRPr lang="de-CH" dirty="0"/>
+            <a:endParaRPr lang="de-CH"/>
           </a:p>
         </p:txBody>
       </p:sp>
@@ -828,7 +1037,7 @@
           <a:bodyPr/>
           <a:lstStyle/>
           <a:p>
-            <a:endParaRPr lang="de-CH" dirty="0"/>
+            <a:endParaRPr lang="de-CH"/>
           </a:p>
         </p:txBody>
       </p:sp>
@@ -849,16 +1058,16 @@
           <a:p>
             <a:fld id="{B2B24C57-7758-4EF8-8A0E-FE171C8C1817}" type="slidenum">
               <a:rPr lang="de-CH" smtClean="0"/>
-              <a:t>6</a:t>
+              <a:t>3</a:t>
             </a:fld>
-            <a:endParaRPr lang="de-CH" dirty="0"/>
+            <a:endParaRPr lang="de-CH"/>
           </a:p>
         </p:txBody>
       </p:sp>
     </p:spTree>
     <p:extLst>
       <p:ext uri="{BB962C8B-B14F-4D97-AF65-F5344CB8AC3E}">
-        <p14:creationId xmlns:p14="http://schemas.microsoft.com/office/powerpoint/2010/main" val="447440281"/>
+        <p14:creationId xmlns:p14="http://schemas.microsoft.com/office/powerpoint/2010/main" val="1010937182"/>
       </p:ext>
     </p:extLst>
   </p:cSld>
@@ -912,7 +1121,7 @@
           <a:bodyPr/>
           <a:lstStyle/>
           <a:p>
-            <a:endParaRPr lang="de-CH" dirty="0"/>
+            <a:endParaRPr lang="de-CH"/>
           </a:p>
         </p:txBody>
       </p:sp>
@@ -931,7 +1140,7 @@
           <a:bodyPr/>
           <a:lstStyle/>
           <a:p>
-            <a:endParaRPr lang="de-CH" dirty="0"/>
+            <a:endParaRPr lang="de-CH"/>
           </a:p>
         </p:txBody>
       </p:sp>
@@ -952,16 +1161,531 @@
           <a:p>
             <a:fld id="{B2B24C57-7758-4EF8-8A0E-FE171C8C1817}" type="slidenum">
               <a:rPr lang="de-CH" smtClean="0"/>
-              <a:t>10</a:t>
+              <a:t>4</a:t>
             </a:fld>
-            <a:endParaRPr lang="de-CH" dirty="0"/>
+            <a:endParaRPr lang="de-CH"/>
           </a:p>
         </p:txBody>
       </p:sp>
     </p:spTree>
     <p:extLst>
       <p:ext uri="{BB962C8B-B14F-4D97-AF65-F5344CB8AC3E}">
-        <p14:creationId xmlns:p14="http://schemas.microsoft.com/office/powerpoint/2010/main" val="750993419"/>
+        <p14:creationId xmlns:p14="http://schemas.microsoft.com/office/powerpoint/2010/main" val="1736805006"/>
+      </p:ext>
+    </p:extLst>
+  </p:cSld>
+  <p:clrMapOvr>
+    <a:masterClrMapping/>
+  </p:clrMapOvr>
+</p:notes>
+</file>
+
+<file path=ppt/notesSlides/notesSlide5.xml><?xml version="1.0" encoding="utf-8"?>
+<p:notes xmlns:a="http://schemas.openxmlformats.org/drawingml/2006/main" xmlns:r="http://schemas.openxmlformats.org/officeDocument/2006/relationships" xmlns:p="http://schemas.openxmlformats.org/presentationml/2006/main">
+  <p:cSld>
+    <p:spTree>
+      <p:nvGrpSpPr>
+        <p:cNvPr id="1" name=""/>
+        <p:cNvGrpSpPr/>
+        <p:nvPr/>
+      </p:nvGrpSpPr>
+      <p:grpSpPr>
+        <a:xfrm>
+          <a:off x="0" y="0"/>
+          <a:ext cx="0" cy="0"/>
+          <a:chOff x="0" y="0"/>
+          <a:chExt cx="0" cy="0"/>
+        </a:xfrm>
+      </p:grpSpPr>
+      <p:sp>
+        <p:nvSpPr>
+          <p:cNvPr id="2" name="Folienbildplatzhalter 1"/>
+          <p:cNvSpPr>
+            <a:spLocks noGrp="1" noRot="1" noChangeAspect="1"/>
+          </p:cNvSpPr>
+          <p:nvPr>
+            <p:ph type="sldImg"/>
+          </p:nvPr>
+        </p:nvSpPr>
+        <p:spPr/>
+      </p:sp>
+      <p:sp>
+        <p:nvSpPr>
+          <p:cNvPr id="3" name="Notizenplatzhalter 2"/>
+          <p:cNvSpPr>
+            <a:spLocks noGrp="1"/>
+          </p:cNvSpPr>
+          <p:nvPr>
+            <p:ph type="body" idx="1"/>
+          </p:nvPr>
+        </p:nvSpPr>
+        <p:spPr/>
+        <p:txBody>
+          <a:bodyPr/>
+          <a:lstStyle/>
+          <a:p>
+            <a:endParaRPr lang="de-DE" dirty="0"/>
+          </a:p>
+        </p:txBody>
+      </p:sp>
+      <p:sp>
+        <p:nvSpPr>
+          <p:cNvPr id="4" name="Fußzeilenplatzhalter 3"/>
+          <p:cNvSpPr>
+            <a:spLocks noGrp="1"/>
+          </p:cNvSpPr>
+          <p:nvPr>
+            <p:ph type="ftr" sz="quarter" idx="4"/>
+          </p:nvPr>
+        </p:nvSpPr>
+        <p:spPr/>
+        <p:txBody>
+          <a:bodyPr/>
+          <a:lstStyle/>
+          <a:p>
+            <a:endParaRPr lang="de-CH"/>
+          </a:p>
+        </p:txBody>
+      </p:sp>
+      <p:sp>
+        <p:nvSpPr>
+          <p:cNvPr id="5" name="Foliennummernplatzhalter 4"/>
+          <p:cNvSpPr>
+            <a:spLocks noGrp="1"/>
+          </p:cNvSpPr>
+          <p:nvPr>
+            <p:ph type="sldNum" sz="quarter" idx="5"/>
+          </p:nvPr>
+        </p:nvSpPr>
+        <p:spPr/>
+        <p:txBody>
+          <a:bodyPr/>
+          <a:lstStyle/>
+          <a:p>
+            <a:fld id="{B2B24C57-7758-4EF8-8A0E-FE171C8C1817}" type="slidenum">
+              <a:rPr lang="de-CH" smtClean="0"/>
+              <a:t>5</a:t>
+            </a:fld>
+            <a:endParaRPr lang="de-CH"/>
+          </a:p>
+        </p:txBody>
+      </p:sp>
+    </p:spTree>
+    <p:extLst>
+      <p:ext uri="{BB962C8B-B14F-4D97-AF65-F5344CB8AC3E}">
+        <p14:creationId xmlns:p14="http://schemas.microsoft.com/office/powerpoint/2010/main" val="2329482882"/>
+      </p:ext>
+    </p:extLst>
+  </p:cSld>
+  <p:clrMapOvr>
+    <a:masterClrMapping/>
+  </p:clrMapOvr>
+</p:notes>
+</file>
+
+<file path=ppt/notesSlides/notesSlide6.xml><?xml version="1.0" encoding="utf-8"?>
+<p:notes xmlns:a="http://schemas.openxmlformats.org/drawingml/2006/main" xmlns:r="http://schemas.openxmlformats.org/officeDocument/2006/relationships" xmlns:p="http://schemas.openxmlformats.org/presentationml/2006/main">
+  <p:cSld>
+    <p:spTree>
+      <p:nvGrpSpPr>
+        <p:cNvPr id="1" name=""/>
+        <p:cNvGrpSpPr/>
+        <p:nvPr/>
+      </p:nvGrpSpPr>
+      <p:grpSpPr>
+        <a:xfrm>
+          <a:off x="0" y="0"/>
+          <a:ext cx="0" cy="0"/>
+          <a:chOff x="0" y="0"/>
+          <a:chExt cx="0" cy="0"/>
+        </a:xfrm>
+      </p:grpSpPr>
+      <p:sp>
+        <p:nvSpPr>
+          <p:cNvPr id="2" name="Folienbildplatzhalter 1"/>
+          <p:cNvSpPr>
+            <a:spLocks noGrp="1" noRot="1" noChangeAspect="1"/>
+          </p:cNvSpPr>
+          <p:nvPr>
+            <p:ph type="sldImg"/>
+          </p:nvPr>
+        </p:nvSpPr>
+        <p:spPr/>
+      </p:sp>
+      <p:sp>
+        <p:nvSpPr>
+          <p:cNvPr id="3" name="Notizenplatzhalter 2"/>
+          <p:cNvSpPr>
+            <a:spLocks noGrp="1"/>
+          </p:cNvSpPr>
+          <p:nvPr>
+            <p:ph type="body" idx="1"/>
+          </p:nvPr>
+        </p:nvSpPr>
+        <p:spPr/>
+        <p:txBody>
+          <a:bodyPr/>
+          <a:lstStyle/>
+          <a:p>
+            <a:endParaRPr lang="de-DE" dirty="0"/>
+          </a:p>
+        </p:txBody>
+      </p:sp>
+      <p:sp>
+        <p:nvSpPr>
+          <p:cNvPr id="4" name="Fußzeilenplatzhalter 3"/>
+          <p:cNvSpPr>
+            <a:spLocks noGrp="1"/>
+          </p:cNvSpPr>
+          <p:nvPr>
+            <p:ph type="ftr" sz="quarter" idx="4"/>
+          </p:nvPr>
+        </p:nvSpPr>
+        <p:spPr/>
+        <p:txBody>
+          <a:bodyPr/>
+          <a:lstStyle/>
+          <a:p>
+            <a:endParaRPr lang="de-CH"/>
+          </a:p>
+        </p:txBody>
+      </p:sp>
+      <p:sp>
+        <p:nvSpPr>
+          <p:cNvPr id="5" name="Foliennummernplatzhalter 4"/>
+          <p:cNvSpPr>
+            <a:spLocks noGrp="1"/>
+          </p:cNvSpPr>
+          <p:nvPr>
+            <p:ph type="sldNum" sz="quarter" idx="5"/>
+          </p:nvPr>
+        </p:nvSpPr>
+        <p:spPr/>
+        <p:txBody>
+          <a:bodyPr/>
+          <a:lstStyle/>
+          <a:p>
+            <a:fld id="{B2B24C57-7758-4EF8-8A0E-FE171C8C1817}" type="slidenum">
+              <a:rPr lang="de-CH" smtClean="0"/>
+              <a:t>6</a:t>
+            </a:fld>
+            <a:endParaRPr lang="de-CH"/>
+          </a:p>
+        </p:txBody>
+      </p:sp>
+    </p:spTree>
+    <p:extLst>
+      <p:ext uri="{BB962C8B-B14F-4D97-AF65-F5344CB8AC3E}">
+        <p14:creationId xmlns:p14="http://schemas.microsoft.com/office/powerpoint/2010/main" val="3967162139"/>
+      </p:ext>
+    </p:extLst>
+  </p:cSld>
+  <p:clrMapOvr>
+    <a:masterClrMapping/>
+  </p:clrMapOvr>
+</p:notes>
+</file>
+
+<file path=ppt/notesSlides/notesSlide7.xml><?xml version="1.0" encoding="utf-8"?>
+<p:notes xmlns:a="http://schemas.openxmlformats.org/drawingml/2006/main" xmlns:r="http://schemas.openxmlformats.org/officeDocument/2006/relationships" xmlns:p="http://schemas.openxmlformats.org/presentationml/2006/main">
+  <p:cSld>
+    <p:spTree>
+      <p:nvGrpSpPr>
+        <p:cNvPr id="1" name=""/>
+        <p:cNvGrpSpPr/>
+        <p:nvPr/>
+      </p:nvGrpSpPr>
+      <p:grpSpPr>
+        <a:xfrm>
+          <a:off x="0" y="0"/>
+          <a:ext cx="0" cy="0"/>
+          <a:chOff x="0" y="0"/>
+          <a:chExt cx="0" cy="0"/>
+        </a:xfrm>
+      </p:grpSpPr>
+      <p:sp>
+        <p:nvSpPr>
+          <p:cNvPr id="2" name="Folienbildplatzhalter 1"/>
+          <p:cNvSpPr>
+            <a:spLocks noGrp="1" noRot="1" noChangeAspect="1"/>
+          </p:cNvSpPr>
+          <p:nvPr>
+            <p:ph type="sldImg"/>
+          </p:nvPr>
+        </p:nvSpPr>
+        <p:spPr/>
+      </p:sp>
+      <p:sp>
+        <p:nvSpPr>
+          <p:cNvPr id="3" name="Notizenplatzhalter 2"/>
+          <p:cNvSpPr>
+            <a:spLocks noGrp="1"/>
+          </p:cNvSpPr>
+          <p:nvPr>
+            <p:ph type="body" idx="1"/>
+          </p:nvPr>
+        </p:nvSpPr>
+        <p:spPr/>
+        <p:txBody>
+          <a:bodyPr/>
+          <a:lstStyle/>
+          <a:p>
+            <a:endParaRPr lang="de-DE" dirty="0"/>
+          </a:p>
+        </p:txBody>
+      </p:sp>
+      <p:sp>
+        <p:nvSpPr>
+          <p:cNvPr id="4" name="Fußzeilenplatzhalter 3"/>
+          <p:cNvSpPr>
+            <a:spLocks noGrp="1"/>
+          </p:cNvSpPr>
+          <p:nvPr>
+            <p:ph type="ftr" sz="quarter" idx="4"/>
+          </p:nvPr>
+        </p:nvSpPr>
+        <p:spPr/>
+        <p:txBody>
+          <a:bodyPr/>
+          <a:lstStyle/>
+          <a:p>
+            <a:endParaRPr lang="de-CH"/>
+          </a:p>
+        </p:txBody>
+      </p:sp>
+      <p:sp>
+        <p:nvSpPr>
+          <p:cNvPr id="5" name="Foliennummernplatzhalter 4"/>
+          <p:cNvSpPr>
+            <a:spLocks noGrp="1"/>
+          </p:cNvSpPr>
+          <p:nvPr>
+            <p:ph type="sldNum" sz="quarter" idx="5"/>
+          </p:nvPr>
+        </p:nvSpPr>
+        <p:spPr/>
+        <p:txBody>
+          <a:bodyPr/>
+          <a:lstStyle/>
+          <a:p>
+            <a:fld id="{B2B24C57-7758-4EF8-8A0E-FE171C8C1817}" type="slidenum">
+              <a:rPr lang="de-CH" smtClean="0"/>
+              <a:t>7</a:t>
+            </a:fld>
+            <a:endParaRPr lang="de-CH"/>
+          </a:p>
+        </p:txBody>
+      </p:sp>
+    </p:spTree>
+    <p:extLst>
+      <p:ext uri="{BB962C8B-B14F-4D97-AF65-F5344CB8AC3E}">
+        <p14:creationId xmlns:p14="http://schemas.microsoft.com/office/powerpoint/2010/main" val="3982058465"/>
+      </p:ext>
+    </p:extLst>
+  </p:cSld>
+  <p:clrMapOvr>
+    <a:masterClrMapping/>
+  </p:clrMapOvr>
+</p:notes>
+</file>
+
+<file path=ppt/notesSlides/notesSlide8.xml><?xml version="1.0" encoding="utf-8"?>
+<p:notes xmlns:a="http://schemas.openxmlformats.org/drawingml/2006/main" xmlns:r="http://schemas.openxmlformats.org/officeDocument/2006/relationships" xmlns:p="http://schemas.openxmlformats.org/presentationml/2006/main">
+  <p:cSld>
+    <p:spTree>
+      <p:nvGrpSpPr>
+        <p:cNvPr id="1" name=""/>
+        <p:cNvGrpSpPr/>
+        <p:nvPr/>
+      </p:nvGrpSpPr>
+      <p:grpSpPr>
+        <a:xfrm>
+          <a:off x="0" y="0"/>
+          <a:ext cx="0" cy="0"/>
+          <a:chOff x="0" y="0"/>
+          <a:chExt cx="0" cy="0"/>
+        </a:xfrm>
+      </p:grpSpPr>
+      <p:sp>
+        <p:nvSpPr>
+          <p:cNvPr id="2" name="Folienbildplatzhalter 1"/>
+          <p:cNvSpPr>
+            <a:spLocks noGrp="1" noRot="1" noChangeAspect="1"/>
+          </p:cNvSpPr>
+          <p:nvPr>
+            <p:ph type="sldImg"/>
+          </p:nvPr>
+        </p:nvSpPr>
+        <p:spPr/>
+      </p:sp>
+      <p:sp>
+        <p:nvSpPr>
+          <p:cNvPr id="3" name="Notizenplatzhalter 2"/>
+          <p:cNvSpPr>
+            <a:spLocks noGrp="1"/>
+          </p:cNvSpPr>
+          <p:nvPr>
+            <p:ph type="body" idx="1"/>
+          </p:nvPr>
+        </p:nvSpPr>
+        <p:spPr/>
+        <p:txBody>
+          <a:bodyPr/>
+          <a:lstStyle/>
+          <a:p>
+            <a:endParaRPr lang="de-CH"/>
+          </a:p>
+        </p:txBody>
+      </p:sp>
+      <p:sp>
+        <p:nvSpPr>
+          <p:cNvPr id="4" name="Fußzeilenplatzhalter 3"/>
+          <p:cNvSpPr>
+            <a:spLocks noGrp="1"/>
+          </p:cNvSpPr>
+          <p:nvPr>
+            <p:ph type="ftr" sz="quarter" idx="10"/>
+          </p:nvPr>
+        </p:nvSpPr>
+        <p:spPr/>
+        <p:txBody>
+          <a:bodyPr/>
+          <a:lstStyle/>
+          <a:p>
+            <a:endParaRPr lang="de-CH"/>
+          </a:p>
+        </p:txBody>
+      </p:sp>
+      <p:sp>
+        <p:nvSpPr>
+          <p:cNvPr id="5" name="Foliennummernplatzhalter 4"/>
+          <p:cNvSpPr>
+            <a:spLocks noGrp="1"/>
+          </p:cNvSpPr>
+          <p:nvPr>
+            <p:ph type="sldNum" sz="quarter" idx="11"/>
+          </p:nvPr>
+        </p:nvSpPr>
+        <p:spPr/>
+        <p:txBody>
+          <a:bodyPr/>
+          <a:lstStyle/>
+          <a:p>
+            <a:fld id="{B2B24C57-7758-4EF8-8A0E-FE171C8C1817}" type="slidenum">
+              <a:rPr lang="de-CH" smtClean="0"/>
+              <a:t>8</a:t>
+            </a:fld>
+            <a:endParaRPr lang="de-CH"/>
+          </a:p>
+        </p:txBody>
+      </p:sp>
+    </p:spTree>
+    <p:extLst>
+      <p:ext uri="{BB962C8B-B14F-4D97-AF65-F5344CB8AC3E}">
+        <p14:creationId xmlns:p14="http://schemas.microsoft.com/office/powerpoint/2010/main" val="447440281"/>
+      </p:ext>
+    </p:extLst>
+  </p:cSld>
+  <p:clrMapOvr>
+    <a:masterClrMapping/>
+  </p:clrMapOvr>
+</p:notes>
+</file>
+
+<file path=ppt/notesSlides/notesSlide9.xml><?xml version="1.0" encoding="utf-8"?>
+<p:notes xmlns:a="http://schemas.openxmlformats.org/drawingml/2006/main" xmlns:r="http://schemas.openxmlformats.org/officeDocument/2006/relationships" xmlns:p="http://schemas.openxmlformats.org/presentationml/2006/main">
+  <p:cSld>
+    <p:spTree>
+      <p:nvGrpSpPr>
+        <p:cNvPr id="1" name=""/>
+        <p:cNvGrpSpPr/>
+        <p:nvPr/>
+      </p:nvGrpSpPr>
+      <p:grpSpPr>
+        <a:xfrm>
+          <a:off x="0" y="0"/>
+          <a:ext cx="0" cy="0"/>
+          <a:chOff x="0" y="0"/>
+          <a:chExt cx="0" cy="0"/>
+        </a:xfrm>
+      </p:grpSpPr>
+      <p:sp>
+        <p:nvSpPr>
+          <p:cNvPr id="2" name="Folienbildplatzhalter 1"/>
+          <p:cNvSpPr>
+            <a:spLocks noGrp="1" noRot="1" noChangeAspect="1"/>
+          </p:cNvSpPr>
+          <p:nvPr>
+            <p:ph type="sldImg"/>
+          </p:nvPr>
+        </p:nvSpPr>
+        <p:spPr/>
+      </p:sp>
+      <p:sp>
+        <p:nvSpPr>
+          <p:cNvPr id="3" name="Notizenplatzhalter 2"/>
+          <p:cNvSpPr>
+            <a:spLocks noGrp="1"/>
+          </p:cNvSpPr>
+          <p:nvPr>
+            <p:ph type="body" idx="1"/>
+          </p:nvPr>
+        </p:nvSpPr>
+        <p:spPr/>
+        <p:txBody>
+          <a:bodyPr/>
+          <a:lstStyle/>
+          <a:p>
+            <a:endParaRPr lang="de-DE" dirty="0"/>
+          </a:p>
+        </p:txBody>
+      </p:sp>
+      <p:sp>
+        <p:nvSpPr>
+          <p:cNvPr id="4" name="Fußzeilenplatzhalter 3"/>
+          <p:cNvSpPr>
+            <a:spLocks noGrp="1"/>
+          </p:cNvSpPr>
+          <p:nvPr>
+            <p:ph type="ftr" sz="quarter" idx="4"/>
+          </p:nvPr>
+        </p:nvSpPr>
+        <p:spPr/>
+        <p:txBody>
+          <a:bodyPr/>
+          <a:lstStyle/>
+          <a:p>
+            <a:endParaRPr lang="de-CH"/>
+          </a:p>
+        </p:txBody>
+      </p:sp>
+      <p:sp>
+        <p:nvSpPr>
+          <p:cNvPr id="5" name="Foliennummernplatzhalter 4"/>
+          <p:cNvSpPr>
+            <a:spLocks noGrp="1"/>
+          </p:cNvSpPr>
+          <p:nvPr>
+            <p:ph type="sldNum" sz="quarter" idx="5"/>
+          </p:nvPr>
+        </p:nvSpPr>
+        <p:spPr/>
+        <p:txBody>
+          <a:bodyPr/>
+          <a:lstStyle/>
+          <a:p>
+            <a:fld id="{B2B24C57-7758-4EF8-8A0E-FE171C8C1817}" type="slidenum">
+              <a:rPr lang="de-CH" smtClean="0"/>
+              <a:t>9</a:t>
+            </a:fld>
+            <a:endParaRPr lang="de-CH"/>
+          </a:p>
+        </p:txBody>
+      </p:sp>
+    </p:spTree>
+    <p:extLst>
+      <p:ext uri="{BB962C8B-B14F-4D97-AF65-F5344CB8AC3E}">
+        <p14:creationId xmlns:p14="http://schemas.microsoft.com/office/powerpoint/2010/main" val="2784108575"/>
       </p:ext>
     </p:extLst>
   </p:cSld>
@@ -1366,7 +2090,7 @@
           <a:lstStyle/>
           <a:p>
             <a:pPr algn="ctr"/>
-            <a:endParaRPr lang="de-CH"/>
+            <a:endParaRPr lang="de-CH" dirty="0"/>
           </a:p>
         </p:txBody>
       </p:sp>
@@ -5417,13 +6141,36 @@
             </a:lvl9pPr>
           </a:lstStyle>
           <a:p>
+            <a:pPr marL="0" marR="0" lvl="0" indent="0" algn="l" defTabSz="914377" rtl="0" eaLnBrk="1" fontAlgn="auto" latinLnBrk="0" hangingPunct="1">
+              <a:lnSpc>
+                <a:spcPct val="90000"/>
+              </a:lnSpc>
+              <a:spcBef>
+                <a:spcPts val="0"/>
+              </a:spcBef>
+              <a:spcAft>
+                <a:spcPts val="0"/>
+              </a:spcAft>
+              <a:buClrTx/>
+              <a:buSzTx/>
+              <a:buFont typeface="Arial" panose="020B0604020202020204" pitchFamily="34" charset="0"/>
+              <a:buNone/>
+              <a:tabLst/>
+              <a:defRPr/>
+            </a:pPr>
             <a:r>
               <a:rPr lang="de-CH" sz="1200" noProof="0" dirty="0">
                 <a:latin typeface="Arial" panose="020B0604020202020204" pitchFamily="34" charset="0"/>
                 <a:cs typeface="Arial" panose="020B0604020202020204" pitchFamily="34" charset="0"/>
               </a:rPr>
-              <a:t>Gruppe X: TITEL</a:t>
-            </a:r>
+              <a:t>Gruppe 18: </a:t>
+            </a:r>
+            <a:r>
+              <a:rPr lang="de-CH" dirty="0"/>
+              <a:t>Sicherheit bei Open Source Projekten</a:t>
+            </a:r>
+          </a:p>
+          <a:p>
             <a:endParaRPr lang="de-DE" sz="1200" noProof="0" dirty="0">
               <a:latin typeface="Arial" panose="020B0604020202020204" pitchFamily="34" charset="0"/>
               <a:cs typeface="Arial" panose="020B0604020202020204" pitchFamily="34" charset="0"/>
@@ -5848,12 +6595,8 @@
           <a:lstStyle/>
           <a:p>
             <a:r>
-              <a:rPr lang="de-CH" dirty="0">
-                <a:solidFill>
-                  <a:sysClr val="windowText" lastClr="000000"/>
-                </a:solidFill>
-              </a:rPr>
-              <a:t>TITEL</a:t>
+              <a:rPr lang="de-CH" dirty="0"/>
+              <a:t>Sicherheit bei Open Source Projekten</a:t>
             </a:r>
           </a:p>
         </p:txBody>
@@ -5885,7 +6628,7 @@
             </a:pPr>
             <a:r>
               <a:rPr lang="de-CH" b="0" dirty="0"/>
-              <a:t>Gruppe X </a:t>
+              <a:t>Gruppe 18 </a:t>
             </a:r>
             <a:br>
               <a:rPr lang="de-CH" b="0" dirty="0"/>
@@ -5929,7 +6672,7 @@
                   <a:sysClr val="windowText" lastClr="000000"/>
                 </a:solidFill>
               </a:rPr>
-              <a:t>VORNAME NAME</a:t>
+              <a:t>Paco Eggimann</a:t>
             </a:r>
           </a:p>
           <a:p>
@@ -5939,7 +6682,7 @@
                   <a:sysClr val="windowText" lastClr="000000"/>
                 </a:solidFill>
               </a:rPr>
-              <a:t>VORNAME NAME</a:t>
+              <a:t>Flavio Gerber</a:t>
             </a:r>
           </a:p>
           <a:p>
@@ -5949,7 +6692,7 @@
                   <a:sysClr val="windowText" lastClr="000000"/>
                 </a:solidFill>
               </a:rPr>
-              <a:t>VORNAME NAME</a:t>
+              <a:t>Tobias Brunner</a:t>
             </a:r>
           </a:p>
           <a:p>
@@ -6004,98 +6747,62 @@
           <a:p>
             <a:r>
               <a:rPr lang="de-CH" dirty="0"/>
-              <a:t>THEMA</a:t>
-            </a:r>
-          </a:p>
-        </p:txBody>
-      </p:sp>
-      <p:sp>
-        <p:nvSpPr>
-          <p:cNvPr id="4" name="Rechteck 3">
+              <a:t>Open-Source Communities </a:t>
+            </a:r>
+          </a:p>
+        </p:txBody>
+      </p:sp>
+      <p:pic>
+        <p:nvPicPr>
+          <p:cNvPr id="6" name="Picture 2">
             <a:extLst>
               <a:ext uri="{FF2B5EF4-FFF2-40B4-BE49-F238E27FC236}">
-                <a16:creationId xmlns:a16="http://schemas.microsoft.com/office/drawing/2014/main" id="{606803C7-6658-46B8-A5E4-C6F15CE90899}"/>
+                <a16:creationId xmlns:a16="http://schemas.microsoft.com/office/drawing/2014/main" id="{A24257B0-D4DB-57CA-1E67-0AE189292134}"/>
               </a:ext>
             </a:extLst>
           </p:cNvPr>
-          <p:cNvSpPr/>
+          <p:cNvPicPr>
+            <a:picLocks noChangeAspect="1" noChangeArrowheads="1"/>
+          </p:cNvPicPr>
           <p:nvPr/>
-        </p:nvSpPr>
-        <p:spPr>
+        </p:nvPicPr>
+        <p:blipFill>
+          <a:blip r:embed="rId3">
+            <a:extLst>
+              <a:ext uri="{28A0092B-C50C-407E-A947-70E740481C1C}">
+                <a14:useLocalDpi xmlns:a14="http://schemas.microsoft.com/office/drawing/2010/main" val="0"/>
+              </a:ext>
+            </a:extLst>
+          </a:blip>
+          <a:srcRect/>
+          <a:stretch>
+            <a:fillRect/>
+          </a:stretch>
+        </p:blipFill>
+        <p:spPr bwMode="auto">
           <a:xfrm>
-            <a:off x="4672583" y="1923677"/>
-            <a:ext cx="4338067" cy="3048373"/>
+            <a:off x="5580112" y="2298986"/>
+            <a:ext cx="3290209" cy="2471014"/>
           </a:xfrm>
           <a:prstGeom prst="rect">
             <a:avLst/>
           </a:prstGeom>
-          <a:solidFill>
-            <a:schemeClr val="bg1"/>
-          </a:solidFill>
-          <a:ln>
-            <a:solidFill>
-              <a:schemeClr val="tx1"/>
-            </a:solidFill>
-          </a:ln>
+          <a:noFill/>
+          <a:extLst>
+            <a:ext uri="{909E8E84-426E-40DD-AFC4-6F175D3DCCD1}">
+              <a14:hiddenFill xmlns:a14="http://schemas.microsoft.com/office/drawing/2010/main">
+                <a:solidFill>
+                  <a:srgbClr val="FFFFFF"/>
+                </a:solidFill>
+              </a14:hiddenFill>
+            </a:ext>
+          </a:extLst>
         </p:spPr>
-        <p:style>
-          <a:lnRef idx="2">
-            <a:schemeClr val="accent1">
-              <a:shade val="50000"/>
-            </a:schemeClr>
-          </a:lnRef>
-          <a:fillRef idx="1">
-            <a:schemeClr val="accent1"/>
-          </a:fillRef>
-          <a:effectRef idx="0">
-            <a:schemeClr val="accent1"/>
-          </a:effectRef>
-          <a:fontRef idx="minor">
-            <a:schemeClr val="lt1"/>
-          </a:fontRef>
-        </p:style>
-        <p:txBody>
-          <a:bodyPr rtlCol="0" anchor="ctr"/>
-          <a:lstStyle/>
-          <a:p>
-            <a:pPr algn="ctr"/>
-            <a:r>
-              <a:rPr lang="de-CH" dirty="0">
-                <a:solidFill>
-                  <a:schemeClr val="tx1"/>
-                </a:solidFill>
-              </a:rPr>
-              <a:t>FOTO/</a:t>
-            </a:r>
-          </a:p>
-          <a:p>
-            <a:pPr algn="ctr"/>
-            <a:r>
-              <a:rPr lang="de-CH" dirty="0">
-                <a:solidFill>
-                  <a:schemeClr val="tx1"/>
-                </a:solidFill>
-              </a:rPr>
-              <a:t>GRAFIK/</a:t>
-            </a:r>
-          </a:p>
-          <a:p>
-            <a:pPr algn="ctr"/>
-            <a:r>
-              <a:rPr lang="de-CH" dirty="0">
-                <a:solidFill>
-                  <a:schemeClr val="tx1"/>
-                </a:solidFill>
-              </a:rPr>
-              <a:t>SCREENSHOT</a:t>
-            </a:r>
-          </a:p>
-        </p:txBody>
-      </p:sp>
+      </p:pic>
     </p:spTree>
     <p:extLst>
       <p:ext uri="{BB962C8B-B14F-4D97-AF65-F5344CB8AC3E}">
-        <p14:creationId xmlns:p14="http://schemas.microsoft.com/office/powerpoint/2010/main" val="3711748939"/>
+        <p14:creationId xmlns:p14="http://schemas.microsoft.com/office/powerpoint/2010/main" val="1441715885"/>
       </p:ext>
     </p:extLst>
   </p:cSld>
@@ -6124,10 +6831,10 @@
       </p:grpSpPr>
       <p:sp>
         <p:nvSpPr>
-          <p:cNvPr id="4" name="Textplatzhalter 3">
+          <p:cNvPr id="6" name="Titel 5">
             <a:extLst>
               <a:ext uri="{FF2B5EF4-FFF2-40B4-BE49-F238E27FC236}">
-                <a16:creationId xmlns:a16="http://schemas.microsoft.com/office/drawing/2014/main" id="{6A537E73-A44C-4DB2-BBBA-D81519AAD1AF}"/>
+                <a16:creationId xmlns:a16="http://schemas.microsoft.com/office/drawing/2014/main" id="{A8CC5B59-6DB9-4E72-92F8-A65984EF380D}"/>
               </a:ext>
             </a:extLst>
           </p:cNvPr>
@@ -6135,7 +6842,7 @@
             <a:spLocks noGrp="1"/>
           </p:cNvSpPr>
           <p:nvPr>
-            <p:ph type="body" sz="quarter" idx="12"/>
+            <p:ph type="title"/>
           </p:nvPr>
         </p:nvSpPr>
         <p:spPr/>
@@ -6143,63 +6850,27 @@
           <a:bodyPr/>
           <a:lstStyle/>
           <a:p>
-            <a:pPr marL="457200" indent="-457200">
-              <a:lnSpc>
-                <a:spcPct val="100000"/>
-              </a:lnSpc>
-              <a:spcBef>
-                <a:spcPts val="600"/>
-              </a:spcBef>
-              <a:buFont typeface="+mj-lt"/>
-              <a:buAutoNum type="arabicPeriod"/>
-            </a:pPr>
-            <a:r>
-              <a:rPr lang="de-DE" dirty="0"/>
-              <a:t>WISSENSCHAFTLICHER TEIL</a:t>
-            </a:r>
-          </a:p>
-          <a:p>
-            <a:pPr marL="457200" indent="-457200">
-              <a:lnSpc>
-                <a:spcPct val="100000"/>
-              </a:lnSpc>
-              <a:spcBef>
-                <a:spcPts val="600"/>
-              </a:spcBef>
-              <a:buFont typeface="+mj-lt"/>
-              <a:buAutoNum type="arabicPeriod"/>
-            </a:pPr>
-            <a:r>
-              <a:rPr lang="de-DE" dirty="0"/>
-              <a:t>PRAKTISCHER TEIL</a:t>
-            </a:r>
-          </a:p>
-          <a:p>
-            <a:pPr marL="457200" indent="-457200">
-              <a:lnSpc>
-                <a:spcPct val="100000"/>
-              </a:lnSpc>
-              <a:spcBef>
-                <a:spcPts val="600"/>
-              </a:spcBef>
-              <a:buFont typeface="+mj-lt"/>
-              <a:buAutoNum type="arabicPeriod"/>
-            </a:pPr>
-            <a:r>
-              <a:rPr lang="de-DE" b="1" dirty="0"/>
-              <a:t>PERSÖNLICHES FAZIT</a:t>
-            </a:r>
-          </a:p>
-        </p:txBody>
-      </p:sp>
-      <p:sp>
-        <p:nvSpPr>
-          <p:cNvPr id="7" name="Titel 6"/>
+            <a:r>
+              <a:rPr lang="de-CH" dirty="0"/>
+              <a:t>Puzzle ICT: Construction</a:t>
+            </a:r>
+          </a:p>
+        </p:txBody>
+      </p:sp>
+      <p:sp>
+        <p:nvSpPr>
+          <p:cNvPr id="7" name="Inhaltsplatzhalter 6">
+            <a:extLst>
+              <a:ext uri="{FF2B5EF4-FFF2-40B4-BE49-F238E27FC236}">
+                <a16:creationId xmlns:a16="http://schemas.microsoft.com/office/drawing/2014/main" id="{F1099394-CDAA-4FEE-93E2-C5CF2F5A1B51}"/>
+              </a:ext>
+            </a:extLst>
+          </p:cNvPr>
           <p:cNvSpPr>
             <a:spLocks noGrp="1"/>
           </p:cNvSpPr>
           <p:nvPr>
-            <p:ph type="title"/>
+            <p:ph sz="half" idx="22"/>
           </p:nvPr>
         </p:nvSpPr>
         <p:spPr/>
@@ -6209,17 +6880,148 @@
           <a:p>
             <a:r>
               <a:rPr lang="de-CH" dirty="0"/>
-              <a:t>Agenda</a:t>
-            </a:r>
-          </a:p>
-        </p:txBody>
-      </p:sp>
-      <p:sp>
-        <p:nvSpPr>
-          <p:cNvPr id="2" name="Rechteck 1">
+              <a:t>Use </a:t>
+            </a:r>
+            <a:r>
+              <a:rPr lang="de-CH" dirty="0" err="1"/>
+              <a:t>of</a:t>
+            </a:r>
+            <a:r>
+              <a:rPr lang="de-CH" dirty="0"/>
+              <a:t> </a:t>
+            </a:r>
+            <a:r>
+              <a:rPr lang="de-CH" dirty="0" err="1"/>
+              <a:t>known</a:t>
+            </a:r>
+            <a:r>
+              <a:rPr lang="de-CH" dirty="0"/>
+              <a:t> and </a:t>
+            </a:r>
+            <a:r>
+              <a:rPr lang="de-CH" dirty="0" err="1"/>
+              <a:t>proven</a:t>
+            </a:r>
+            <a:r>
+              <a:rPr lang="de-CH" dirty="0"/>
+              <a:t> </a:t>
+            </a:r>
+            <a:r>
+              <a:rPr lang="de-CH" dirty="0" err="1"/>
+              <a:t>frameworks</a:t>
+            </a:r>
+            <a:r>
+              <a:rPr lang="de-CH" dirty="0"/>
+              <a:t> </a:t>
+            </a:r>
+            <a:r>
+              <a:rPr lang="de-CH" dirty="0" err="1"/>
+              <a:t>mitigate</a:t>
+            </a:r>
+            <a:r>
+              <a:rPr lang="de-CH" dirty="0"/>
+              <a:t> </a:t>
+            </a:r>
+            <a:r>
+              <a:rPr lang="de-CH" dirty="0" err="1"/>
+              <a:t>security</a:t>
+            </a:r>
+            <a:r>
+              <a:rPr lang="de-CH" dirty="0"/>
+              <a:t> </a:t>
+            </a:r>
+            <a:r>
+              <a:rPr lang="de-CH" dirty="0" err="1"/>
+              <a:t>risks</a:t>
+            </a:r>
+            <a:endParaRPr lang="de-CH" dirty="0"/>
+          </a:p>
+          <a:p>
+            <a:r>
+              <a:rPr lang="de-CH" dirty="0"/>
+              <a:t>Code </a:t>
+            </a:r>
+            <a:r>
+              <a:rPr lang="de-CH" dirty="0" err="1"/>
+              <a:t>reviews</a:t>
+            </a:r>
+            <a:r>
+              <a:rPr lang="de-CH" dirty="0"/>
+              <a:t> </a:t>
+            </a:r>
+            <a:r>
+              <a:rPr lang="de-CH" dirty="0" err="1"/>
+              <a:t>with</a:t>
+            </a:r>
+            <a:r>
+              <a:rPr lang="de-CH" dirty="0"/>
+              <a:t> </a:t>
+            </a:r>
+            <a:r>
+              <a:rPr lang="de-CH" dirty="0" err="1"/>
+              <a:t>security</a:t>
+            </a:r>
+            <a:r>
+              <a:rPr lang="de-CH" dirty="0"/>
+              <a:t> </a:t>
+            </a:r>
+            <a:r>
+              <a:rPr lang="de-CH" dirty="0" err="1"/>
+              <a:t>departement</a:t>
+            </a:r>
+            <a:r>
+              <a:rPr lang="de-CH" dirty="0"/>
+              <a:t> </a:t>
+            </a:r>
+            <a:r>
+              <a:rPr lang="de-CH" dirty="0" err="1"/>
+              <a:t>during</a:t>
+            </a:r>
+            <a:r>
+              <a:rPr lang="de-CH" dirty="0"/>
+              <a:t> </a:t>
+            </a:r>
+            <a:r>
+              <a:rPr lang="de-CH" dirty="0" err="1"/>
+              <a:t>later</a:t>
+            </a:r>
+            <a:r>
+              <a:rPr lang="de-CH" dirty="0"/>
+              <a:t> </a:t>
+            </a:r>
+            <a:r>
+              <a:rPr lang="de-CH" dirty="0" err="1"/>
+              <a:t>stages</a:t>
+            </a:r>
+            <a:r>
+              <a:rPr lang="de-CH" dirty="0"/>
+              <a:t> </a:t>
+            </a:r>
+            <a:r>
+              <a:rPr lang="de-CH" dirty="0" err="1"/>
+              <a:t>of</a:t>
+            </a:r>
+            <a:r>
+              <a:rPr lang="de-CH" dirty="0"/>
+              <a:t> </a:t>
+            </a:r>
+            <a:r>
+              <a:rPr lang="de-CH" dirty="0" err="1"/>
+              <a:t>developement</a:t>
+            </a:r>
+            <a:endParaRPr lang="de-CH" dirty="0"/>
+          </a:p>
+          <a:p>
+            <a:endParaRPr lang="de-CH" dirty="0"/>
+          </a:p>
+        </p:txBody>
+      </p:sp>
+      <p:sp>
+        <p:nvSpPr>
+          <p:cNvPr id="5" name="Rechteck 4">
             <a:extLst>
               <a:ext uri="{FF2B5EF4-FFF2-40B4-BE49-F238E27FC236}">
-                <a16:creationId xmlns:a16="http://schemas.microsoft.com/office/drawing/2014/main" id="{FDA3BA3A-DAD1-4A48-8893-B45A137158D9}"/>
+                <a16:creationId xmlns:a16="http://schemas.microsoft.com/office/drawing/2014/main" id="{4E32DB78-792F-45F1-9DFA-EC87A5399669}"/>
               </a:ext>
             </a:extLst>
           </p:cNvPr>
@@ -6228,79 +7030,80 @@
         </p:nvSpPr>
         <p:spPr>
           <a:xfrm>
-            <a:off x="6588224" y="2787774"/>
-            <a:ext cx="2232247" cy="1886719"/>
+            <a:off x="990650" y="5002568"/>
+            <a:ext cx="665247" cy="123111"/>
           </a:xfrm>
           <a:prstGeom prst="rect">
             <a:avLst/>
           </a:prstGeom>
-          <a:solidFill>
-            <a:schemeClr val="bg1"/>
-          </a:solidFill>
-          <a:ln>
-            <a:solidFill>
-              <a:schemeClr val="tx1"/>
-            </a:solidFill>
-          </a:ln>
         </p:spPr>
-        <p:style>
-          <a:lnRef idx="2">
-            <a:schemeClr val="accent1">
-              <a:shade val="50000"/>
-            </a:schemeClr>
-          </a:lnRef>
-          <a:fillRef idx="1">
-            <a:schemeClr val="accent1"/>
-          </a:fillRef>
-          <a:effectRef idx="0">
-            <a:schemeClr val="accent1"/>
-          </a:effectRef>
-          <a:fontRef idx="minor">
-            <a:schemeClr val="lt1"/>
-          </a:fontRef>
-        </p:style>
-        <p:txBody>
-          <a:bodyPr rtlCol="0" anchor="ctr"/>
+        <p:txBody>
+          <a:bodyPr wrap="none" lIns="0" tIns="0" rIns="0" bIns="0">
+            <a:spAutoFit/>
+          </a:bodyPr>
           <a:lstStyle/>
           <a:p>
-            <a:pPr algn="ctr"/>
-            <a:r>
-              <a:rPr lang="de-CH" dirty="0">
+            <a:r>
+              <a:rPr lang="de-CH" sz="800" dirty="0">
+                <a:effectLst/>
+              </a:rPr>
+              <a:t>QUELLE/LINK</a:t>
+            </a:r>
+            <a:endParaRPr lang="de-CH" sz="800" dirty="0"/>
+          </a:p>
+        </p:txBody>
+      </p:sp>
+      <p:pic>
+        <p:nvPicPr>
+          <p:cNvPr id="4" name="Picture 2">
+            <a:extLst>
+              <a:ext uri="{FF2B5EF4-FFF2-40B4-BE49-F238E27FC236}">
+                <a16:creationId xmlns:a16="http://schemas.microsoft.com/office/drawing/2014/main" id="{8E7A742D-3979-726C-0033-AA37CD209AFA}"/>
+              </a:ext>
+            </a:extLst>
+          </p:cNvPr>
+          <p:cNvPicPr>
+            <a:picLocks noChangeAspect="1" noChangeArrowheads="1"/>
+          </p:cNvPicPr>
+          <p:nvPr/>
+        </p:nvPicPr>
+        <p:blipFill>
+          <a:blip r:embed="rId2">
+            <a:extLst>
+              <a:ext uri="{28A0092B-C50C-407E-A947-70E740481C1C}">
+                <a14:useLocalDpi xmlns:a14="http://schemas.microsoft.com/office/drawing/2010/main" val="0"/>
+              </a:ext>
+            </a:extLst>
+          </a:blip>
+          <a:srcRect/>
+          <a:stretch>
+            <a:fillRect/>
+          </a:stretch>
+        </p:blipFill>
+        <p:spPr bwMode="auto">
+          <a:xfrm>
+            <a:off x="5580112" y="2298986"/>
+            <a:ext cx="3290209" cy="2471014"/>
+          </a:xfrm>
+          <a:prstGeom prst="rect">
+            <a:avLst/>
+          </a:prstGeom>
+          <a:noFill/>
+          <a:extLst>
+            <a:ext uri="{909E8E84-426E-40DD-AFC4-6F175D3DCCD1}">
+              <a14:hiddenFill xmlns:a14="http://schemas.microsoft.com/office/drawing/2010/main">
                 <a:solidFill>
-                  <a:schemeClr val="tx1"/>
+                  <a:srgbClr val="FFFFFF"/>
                 </a:solidFill>
-              </a:rPr>
-              <a:t>THEMATISCH GRAFIK/</a:t>
-            </a:r>
-          </a:p>
-          <a:p>
-            <a:pPr algn="ctr"/>
-            <a:r>
-              <a:rPr lang="de-CH" dirty="0">
-                <a:solidFill>
-                  <a:schemeClr val="tx1"/>
-                </a:solidFill>
-              </a:rPr>
-              <a:t>ICON/</a:t>
-            </a:r>
-          </a:p>
-          <a:p>
-            <a:pPr algn="ctr"/>
-            <a:r>
-              <a:rPr lang="de-CH" dirty="0">
-                <a:solidFill>
-                  <a:schemeClr val="tx1"/>
-                </a:solidFill>
-              </a:rPr>
-              <a:t>SYMBOL</a:t>
-            </a:r>
-          </a:p>
-        </p:txBody>
-      </p:sp>
+              </a14:hiddenFill>
+            </a:ext>
+          </a:extLst>
+        </p:spPr>
+      </p:pic>
     </p:spTree>
     <p:extLst>
       <p:ext uri="{BB962C8B-B14F-4D97-AF65-F5344CB8AC3E}">
-        <p14:creationId xmlns:p14="http://schemas.microsoft.com/office/powerpoint/2010/main" val="2103171551"/>
+        <p14:creationId xmlns:p14="http://schemas.microsoft.com/office/powerpoint/2010/main" val="967609396"/>
       </p:ext>
     </p:extLst>
   </p:cSld>
@@ -6350,8 +7153,13 @@
           <a:p>
             <a:r>
               <a:rPr lang="de-CH" dirty="0"/>
-              <a:t>UNSER FAZIT</a:t>
-            </a:r>
+              <a:t>Puzzle ICT: </a:t>
+            </a:r>
+            <a:r>
+              <a:rPr lang="de-CH" dirty="0" err="1"/>
+              <a:t>Governance</a:t>
+            </a:r>
+            <a:endParaRPr lang="de-CH" dirty="0"/>
           </a:p>
         </p:txBody>
       </p:sp>
@@ -6377,37 +7185,38 @@
           <a:lstStyle/>
           <a:p>
             <a:r>
-              <a:rPr lang="de-CH" sz="2000" dirty="0">
-                <a:sym typeface="Wingdings" panose="05000000000000000000" pitchFamily="2" charset="2"/>
-              </a:rPr>
-              <a:t>EIGENE SCHLUSSFOLGERUNGEN</a:t>
-            </a:r>
-          </a:p>
-          <a:p>
-            <a:r>
-              <a:rPr lang="de-CH" dirty="0">
-                <a:sym typeface="Wingdings" panose="05000000000000000000" pitchFamily="2" charset="2"/>
-              </a:rPr>
-              <a:t>NEUE ERKENNTNISSE</a:t>
-            </a:r>
-          </a:p>
-          <a:p>
-            <a:r>
-              <a:rPr lang="de-CH" dirty="0">
-                <a:sym typeface="Wingdings" panose="05000000000000000000" pitchFamily="2" charset="2"/>
-              </a:rPr>
-              <a:t>ETC.</a:t>
-            </a:r>
-            <a:endParaRPr lang="de-CH" dirty="0"/>
-          </a:p>
-        </p:txBody>
-      </p:sp>
-      <p:sp>
-        <p:nvSpPr>
-          <p:cNvPr id="2" name="Rechteck 1">
+              <a:rPr lang="de-CH" dirty="0"/>
+              <a:t>Regelmässige Sicherheitsschulungen </a:t>
+            </a:r>
+          </a:p>
+          <a:p>
+            <a:r>
+              <a:rPr lang="de-CH" dirty="0"/>
+              <a:t>Vorhandenes Knowhow wird in allen Stages des </a:t>
+            </a:r>
+            <a:r>
+              <a:rPr lang="de-CH" dirty="0" err="1"/>
+              <a:t>Developements</a:t>
+            </a:r>
+            <a:r>
+              <a:rPr lang="de-CH" dirty="0"/>
+              <a:t> eingesetzt</a:t>
+            </a:r>
+          </a:p>
+          <a:p>
+            <a:r>
+              <a:rPr lang="de-CH" dirty="0"/>
+              <a:t>Fehlerkultur</a:t>
+            </a:r>
+          </a:p>
+        </p:txBody>
+      </p:sp>
+      <p:sp>
+        <p:nvSpPr>
+          <p:cNvPr id="5" name="Rechteck 4">
             <a:extLst>
               <a:ext uri="{FF2B5EF4-FFF2-40B4-BE49-F238E27FC236}">
-                <a16:creationId xmlns:a16="http://schemas.microsoft.com/office/drawing/2014/main" id="{C886CBC9-A8E9-4B16-BE4C-1051BE22E8B5}"/>
+                <a16:creationId xmlns:a16="http://schemas.microsoft.com/office/drawing/2014/main" id="{4E32DB78-792F-45F1-9DFA-EC87A5399669}"/>
               </a:ext>
             </a:extLst>
           </p:cNvPr>
@@ -6416,75 +7225,987 @@
         </p:nvSpPr>
         <p:spPr>
           <a:xfrm>
-            <a:off x="5858618" y="1240929"/>
-            <a:ext cx="3033861" cy="3721596"/>
+            <a:off x="990650" y="5002568"/>
+            <a:ext cx="665247" cy="123111"/>
           </a:xfrm>
           <a:prstGeom prst="rect">
             <a:avLst/>
           </a:prstGeom>
-          <a:solidFill>
-            <a:schemeClr val="bg1"/>
-          </a:solidFill>
-          <a:ln>
-            <a:solidFill>
-              <a:schemeClr val="tx1"/>
-            </a:solidFill>
-          </a:ln>
         </p:spPr>
-        <p:style>
-          <a:lnRef idx="2">
-            <a:schemeClr val="accent1">
-              <a:shade val="50000"/>
-            </a:schemeClr>
-          </a:lnRef>
-          <a:fillRef idx="1">
-            <a:schemeClr val="accent1"/>
-          </a:fillRef>
-          <a:effectRef idx="0">
-            <a:schemeClr val="accent1"/>
-          </a:effectRef>
-          <a:fontRef idx="minor">
-            <a:schemeClr val="lt1"/>
-          </a:fontRef>
-        </p:style>
-        <p:txBody>
-          <a:bodyPr rtlCol="0" anchor="ctr"/>
+        <p:txBody>
+          <a:bodyPr wrap="none" lIns="0" tIns="0" rIns="0" bIns="0">
+            <a:spAutoFit/>
+          </a:bodyPr>
           <a:lstStyle/>
           <a:p>
-            <a:pPr algn="ctr"/>
+            <a:r>
+              <a:rPr lang="de-CH" sz="800">
+                <a:effectLst/>
+              </a:rPr>
+              <a:t>QUELLE/LINK</a:t>
+            </a:r>
+            <a:endParaRPr lang="de-CH" sz="800"/>
+          </a:p>
+        </p:txBody>
+      </p:sp>
+      <p:pic>
+        <p:nvPicPr>
+          <p:cNvPr id="4" name="Picture 2">
+            <a:extLst>
+              <a:ext uri="{FF2B5EF4-FFF2-40B4-BE49-F238E27FC236}">
+                <a16:creationId xmlns:a16="http://schemas.microsoft.com/office/drawing/2014/main" id="{53F52DAC-2A24-4134-E7E0-7CCCBEEC7734}"/>
+              </a:ext>
+            </a:extLst>
+          </p:cNvPr>
+          <p:cNvPicPr>
+            <a:picLocks noChangeAspect="1" noChangeArrowheads="1"/>
+          </p:cNvPicPr>
+          <p:nvPr/>
+        </p:nvPicPr>
+        <p:blipFill>
+          <a:blip r:embed="rId2">
+            <a:extLst>
+              <a:ext uri="{28A0092B-C50C-407E-A947-70E740481C1C}">
+                <a14:useLocalDpi xmlns:a14="http://schemas.microsoft.com/office/drawing/2010/main" val="0"/>
+              </a:ext>
+            </a:extLst>
+          </a:blip>
+          <a:srcRect/>
+          <a:stretch>
+            <a:fillRect/>
+          </a:stretch>
+        </p:blipFill>
+        <p:spPr bwMode="auto">
+          <a:xfrm>
+            <a:off x="5580112" y="2298986"/>
+            <a:ext cx="3290209" cy="2471014"/>
+          </a:xfrm>
+          <a:prstGeom prst="rect">
+            <a:avLst/>
+          </a:prstGeom>
+          <a:noFill/>
+          <a:extLst>
+            <a:ext uri="{909E8E84-426E-40DD-AFC4-6F175D3DCCD1}">
+              <a14:hiddenFill xmlns:a14="http://schemas.microsoft.com/office/drawing/2010/main">
+                <a:solidFill>
+                  <a:srgbClr val="FFFFFF"/>
+                </a:solidFill>
+              </a14:hiddenFill>
+            </a:ext>
+          </a:extLst>
+        </p:spPr>
+      </p:pic>
+    </p:spTree>
+    <p:extLst>
+      <p:ext uri="{BB962C8B-B14F-4D97-AF65-F5344CB8AC3E}">
+        <p14:creationId xmlns:p14="http://schemas.microsoft.com/office/powerpoint/2010/main" val="1241065158"/>
+      </p:ext>
+    </p:extLst>
+  </p:cSld>
+  <p:clrMapOvr>
+    <a:masterClrMapping/>
+  </p:clrMapOvr>
+</p:sld>
+</file>
+
+<file path=ppt/slides/slide12.xml><?xml version="1.0" encoding="utf-8"?>
+<p:sld xmlns:a="http://schemas.openxmlformats.org/drawingml/2006/main" xmlns:r="http://schemas.openxmlformats.org/officeDocument/2006/relationships" xmlns:p="http://schemas.openxmlformats.org/presentationml/2006/main">
+  <p:cSld>
+    <p:spTree>
+      <p:nvGrpSpPr>
+        <p:cNvPr id="1" name=""/>
+        <p:cNvGrpSpPr/>
+        <p:nvPr/>
+      </p:nvGrpSpPr>
+      <p:grpSpPr>
+        <a:xfrm>
+          <a:off x="0" y="0"/>
+          <a:ext cx="0" cy="0"/>
+          <a:chOff x="0" y="0"/>
+          <a:chExt cx="0" cy="0"/>
+        </a:xfrm>
+      </p:grpSpPr>
+      <p:sp>
+        <p:nvSpPr>
+          <p:cNvPr id="6" name="Titel 5">
+            <a:extLst>
+              <a:ext uri="{FF2B5EF4-FFF2-40B4-BE49-F238E27FC236}">
+                <a16:creationId xmlns:a16="http://schemas.microsoft.com/office/drawing/2014/main" id="{A8CC5B59-6DB9-4E72-92F8-A65984EF380D}"/>
+              </a:ext>
+            </a:extLst>
+          </p:cNvPr>
+          <p:cNvSpPr>
+            <a:spLocks noGrp="1"/>
+          </p:cNvSpPr>
+          <p:nvPr>
+            <p:ph type="title"/>
+          </p:nvPr>
+        </p:nvSpPr>
+        <p:spPr/>
+        <p:txBody>
+          <a:bodyPr/>
+          <a:lstStyle/>
+          <a:p>
+            <a:r>
+              <a:rPr lang="de-CH" dirty="0"/>
+              <a:t>Puzzle ICT: </a:t>
+            </a:r>
+            <a:r>
+              <a:rPr lang="de-CH" dirty="0" err="1"/>
+              <a:t>Deployement</a:t>
+            </a:r>
+            <a:endParaRPr lang="de-CH" dirty="0"/>
+          </a:p>
+        </p:txBody>
+      </p:sp>
+      <p:sp>
+        <p:nvSpPr>
+          <p:cNvPr id="7" name="Inhaltsplatzhalter 6">
+            <a:extLst>
+              <a:ext uri="{FF2B5EF4-FFF2-40B4-BE49-F238E27FC236}">
+                <a16:creationId xmlns:a16="http://schemas.microsoft.com/office/drawing/2014/main" id="{F1099394-CDAA-4FEE-93E2-C5CF2F5A1B51}"/>
+              </a:ext>
+            </a:extLst>
+          </p:cNvPr>
+          <p:cNvSpPr>
+            <a:spLocks noGrp="1"/>
+          </p:cNvSpPr>
+          <p:nvPr>
+            <p:ph sz="half" idx="22"/>
+          </p:nvPr>
+        </p:nvSpPr>
+        <p:spPr/>
+        <p:txBody>
+          <a:bodyPr/>
+          <a:lstStyle/>
+          <a:p>
+            <a:r>
+              <a:rPr lang="de-CH" dirty="0"/>
+              <a:t>Eigene Abteilung für </a:t>
+            </a:r>
+            <a:r>
+              <a:rPr lang="de-CH" dirty="0" err="1"/>
+              <a:t>deployement</a:t>
+            </a:r>
+            <a:endParaRPr lang="de-CH" dirty="0"/>
+          </a:p>
+          <a:p>
+            <a:r>
+              <a:rPr lang="de-CH" dirty="0"/>
+              <a:t>Enge Zusammenarbeit mit </a:t>
+            </a:r>
+            <a:r>
+              <a:rPr lang="de-CH" dirty="0" err="1"/>
+              <a:t>Securityabteilung</a:t>
+            </a:r>
+            <a:endParaRPr lang="de-CH" dirty="0"/>
+          </a:p>
+          <a:p>
+            <a:r>
+              <a:rPr lang="de-CH" dirty="0"/>
+              <a:t>Verwendung von «</a:t>
+            </a:r>
+            <a:r>
+              <a:rPr lang="de-CH" dirty="0" err="1"/>
+              <a:t>proven</a:t>
+            </a:r>
+            <a:r>
+              <a:rPr lang="de-CH" dirty="0"/>
+              <a:t>» Frameworks</a:t>
+            </a:r>
+          </a:p>
+          <a:p>
+            <a:pPr lvl="1"/>
+            <a:r>
+              <a:rPr lang="de-CH" dirty="0" err="1"/>
+              <a:t>Openshift</a:t>
+            </a:r>
+            <a:endParaRPr lang="de-CH" dirty="0"/>
+          </a:p>
+        </p:txBody>
+      </p:sp>
+      <p:sp>
+        <p:nvSpPr>
+          <p:cNvPr id="5" name="Rechteck 4">
+            <a:extLst>
+              <a:ext uri="{FF2B5EF4-FFF2-40B4-BE49-F238E27FC236}">
+                <a16:creationId xmlns:a16="http://schemas.microsoft.com/office/drawing/2014/main" id="{4E32DB78-792F-45F1-9DFA-EC87A5399669}"/>
+              </a:ext>
+            </a:extLst>
+          </p:cNvPr>
+          <p:cNvSpPr/>
+          <p:nvPr/>
+        </p:nvSpPr>
+        <p:spPr>
+          <a:xfrm>
+            <a:off x="990650" y="5002568"/>
+            <a:ext cx="665247" cy="123111"/>
+          </a:xfrm>
+          <a:prstGeom prst="rect">
+            <a:avLst/>
+          </a:prstGeom>
+        </p:spPr>
+        <p:txBody>
+          <a:bodyPr wrap="none" lIns="0" tIns="0" rIns="0" bIns="0">
+            <a:spAutoFit/>
+          </a:bodyPr>
+          <a:lstStyle/>
+          <a:p>
+            <a:r>
+              <a:rPr lang="de-CH" sz="800">
+                <a:effectLst/>
+              </a:rPr>
+              <a:t>QUELLE/LINK</a:t>
+            </a:r>
+            <a:endParaRPr lang="de-CH" sz="800"/>
+          </a:p>
+        </p:txBody>
+      </p:sp>
+      <p:pic>
+        <p:nvPicPr>
+          <p:cNvPr id="4" name="Picture 2">
+            <a:extLst>
+              <a:ext uri="{FF2B5EF4-FFF2-40B4-BE49-F238E27FC236}">
+                <a16:creationId xmlns:a16="http://schemas.microsoft.com/office/drawing/2014/main" id="{D16D21F7-9099-9358-6B24-8579A02FD135}"/>
+              </a:ext>
+            </a:extLst>
+          </p:cNvPr>
+          <p:cNvPicPr>
+            <a:picLocks noChangeAspect="1" noChangeArrowheads="1"/>
+          </p:cNvPicPr>
+          <p:nvPr/>
+        </p:nvPicPr>
+        <p:blipFill>
+          <a:blip r:embed="rId3">
+            <a:extLst>
+              <a:ext uri="{28A0092B-C50C-407E-A947-70E740481C1C}">
+                <a14:useLocalDpi xmlns:a14="http://schemas.microsoft.com/office/drawing/2010/main" val="0"/>
+              </a:ext>
+            </a:extLst>
+          </a:blip>
+          <a:srcRect/>
+          <a:stretch>
+            <a:fillRect/>
+          </a:stretch>
+        </p:blipFill>
+        <p:spPr bwMode="auto">
+          <a:xfrm>
+            <a:off x="5580112" y="2298986"/>
+            <a:ext cx="3290209" cy="2471014"/>
+          </a:xfrm>
+          <a:prstGeom prst="rect">
+            <a:avLst/>
+          </a:prstGeom>
+          <a:noFill/>
+          <a:extLst>
+            <a:ext uri="{909E8E84-426E-40DD-AFC4-6F175D3DCCD1}">
+              <a14:hiddenFill xmlns:a14="http://schemas.microsoft.com/office/drawing/2010/main">
+                <a:solidFill>
+                  <a:srgbClr val="FFFFFF"/>
+                </a:solidFill>
+              </a14:hiddenFill>
+            </a:ext>
+          </a:extLst>
+        </p:spPr>
+      </p:pic>
+    </p:spTree>
+    <p:extLst>
+      <p:ext uri="{BB962C8B-B14F-4D97-AF65-F5344CB8AC3E}">
+        <p14:creationId xmlns:p14="http://schemas.microsoft.com/office/powerpoint/2010/main" val="2424725369"/>
+      </p:ext>
+    </p:extLst>
+  </p:cSld>
+  <p:clrMapOvr>
+    <a:masterClrMapping/>
+  </p:clrMapOvr>
+</p:sld>
+</file>
+
+<file path=ppt/slides/slide13.xml><?xml version="1.0" encoding="utf-8"?>
+<p:sld xmlns:a="http://schemas.openxmlformats.org/drawingml/2006/main" xmlns:r="http://schemas.openxmlformats.org/officeDocument/2006/relationships" xmlns:p="http://schemas.openxmlformats.org/presentationml/2006/main">
+  <p:cSld>
+    <p:spTree>
+      <p:nvGrpSpPr>
+        <p:cNvPr id="1" name=""/>
+        <p:cNvGrpSpPr/>
+        <p:nvPr/>
+      </p:nvGrpSpPr>
+      <p:grpSpPr>
+        <a:xfrm>
+          <a:off x="0" y="0"/>
+          <a:ext cx="0" cy="0"/>
+          <a:chOff x="0" y="0"/>
+          <a:chExt cx="0" cy="0"/>
+        </a:xfrm>
+      </p:grpSpPr>
+      <p:sp>
+        <p:nvSpPr>
+          <p:cNvPr id="4" name="Textplatzhalter 3">
+            <a:extLst>
+              <a:ext uri="{FF2B5EF4-FFF2-40B4-BE49-F238E27FC236}">
+                <a16:creationId xmlns:a16="http://schemas.microsoft.com/office/drawing/2014/main" id="{6A537E73-A44C-4DB2-BBBA-D81519AAD1AF}"/>
+              </a:ext>
+            </a:extLst>
+          </p:cNvPr>
+          <p:cNvSpPr>
+            <a:spLocks noGrp="1"/>
+          </p:cNvSpPr>
+          <p:nvPr>
+            <p:ph type="body" sz="quarter" idx="12"/>
+          </p:nvPr>
+        </p:nvSpPr>
+        <p:spPr/>
+        <p:txBody>
+          <a:bodyPr/>
+          <a:lstStyle/>
+          <a:p>
+            <a:pPr marL="457200" indent="-457200">
+              <a:lnSpc>
+                <a:spcPct val="100000"/>
+              </a:lnSpc>
+              <a:spcBef>
+                <a:spcPts val="600"/>
+              </a:spcBef>
+              <a:buFont typeface="+mj-lt"/>
+              <a:buAutoNum type="arabicPeriod"/>
+            </a:pPr>
+            <a:r>
+              <a:rPr lang="de-DE"/>
+              <a:t>WISSENSCHAFTLICHER TEIL</a:t>
+            </a:r>
+          </a:p>
+          <a:p>
+            <a:pPr marL="457200" indent="-457200">
+              <a:lnSpc>
+                <a:spcPct val="100000"/>
+              </a:lnSpc>
+              <a:spcBef>
+                <a:spcPts val="600"/>
+              </a:spcBef>
+              <a:buFont typeface="+mj-lt"/>
+              <a:buAutoNum type="arabicPeriod"/>
+            </a:pPr>
+            <a:r>
+              <a:rPr lang="de-DE"/>
+              <a:t>PRAKTISCHER TEIL</a:t>
+            </a:r>
+          </a:p>
+          <a:p>
+            <a:pPr marL="457200" indent="-457200">
+              <a:lnSpc>
+                <a:spcPct val="100000"/>
+              </a:lnSpc>
+              <a:spcBef>
+                <a:spcPts val="600"/>
+              </a:spcBef>
+              <a:buFont typeface="+mj-lt"/>
+              <a:buAutoNum type="arabicPeriod"/>
+            </a:pPr>
+            <a:r>
+              <a:rPr lang="de-DE" b="1"/>
+              <a:t>PERSÖNLICHES FAZIT</a:t>
+            </a:r>
+          </a:p>
+        </p:txBody>
+      </p:sp>
+      <p:sp>
+        <p:nvSpPr>
+          <p:cNvPr id="7" name="Titel 6"/>
+          <p:cNvSpPr>
+            <a:spLocks noGrp="1"/>
+          </p:cNvSpPr>
+          <p:nvPr>
+            <p:ph type="title"/>
+          </p:nvPr>
+        </p:nvSpPr>
+        <p:spPr/>
+        <p:txBody>
+          <a:bodyPr/>
+          <a:lstStyle/>
+          <a:p>
+            <a:r>
+              <a:rPr lang="de-CH"/>
+              <a:t>Agenda</a:t>
+            </a:r>
+          </a:p>
+        </p:txBody>
+      </p:sp>
+      <p:pic>
+        <p:nvPicPr>
+          <p:cNvPr id="3" name="Picture 2">
+            <a:extLst>
+              <a:ext uri="{FF2B5EF4-FFF2-40B4-BE49-F238E27FC236}">
+                <a16:creationId xmlns:a16="http://schemas.microsoft.com/office/drawing/2014/main" id="{C616350B-66F9-636E-E2D5-F347DB73FBFC}"/>
+              </a:ext>
+            </a:extLst>
+          </p:cNvPr>
+          <p:cNvPicPr>
+            <a:picLocks noChangeAspect="1" noChangeArrowheads="1"/>
+          </p:cNvPicPr>
+          <p:nvPr/>
+        </p:nvPicPr>
+        <p:blipFill>
+          <a:blip r:embed="rId3">
+            <a:extLst>
+              <a:ext uri="{28A0092B-C50C-407E-A947-70E740481C1C}">
+                <a14:useLocalDpi xmlns:a14="http://schemas.microsoft.com/office/drawing/2010/main" val="0"/>
+              </a:ext>
+            </a:extLst>
+          </a:blip>
+          <a:srcRect/>
+          <a:stretch>
+            <a:fillRect/>
+          </a:stretch>
+        </p:blipFill>
+        <p:spPr bwMode="auto">
+          <a:xfrm>
+            <a:off x="5580112" y="2298986"/>
+            <a:ext cx="3290209" cy="2471014"/>
+          </a:xfrm>
+          <a:prstGeom prst="rect">
+            <a:avLst/>
+          </a:prstGeom>
+          <a:noFill/>
+          <a:extLst>
+            <a:ext uri="{909E8E84-426E-40DD-AFC4-6F175D3DCCD1}">
+              <a14:hiddenFill xmlns:a14="http://schemas.microsoft.com/office/drawing/2010/main">
+                <a:solidFill>
+                  <a:srgbClr val="FFFFFF"/>
+                </a:solidFill>
+              </a14:hiddenFill>
+            </a:ext>
+          </a:extLst>
+        </p:spPr>
+      </p:pic>
+    </p:spTree>
+    <p:extLst>
+      <p:ext uri="{BB962C8B-B14F-4D97-AF65-F5344CB8AC3E}">
+        <p14:creationId xmlns:p14="http://schemas.microsoft.com/office/powerpoint/2010/main" val="2103171551"/>
+      </p:ext>
+    </p:extLst>
+  </p:cSld>
+  <p:clrMapOvr>
+    <a:masterClrMapping/>
+  </p:clrMapOvr>
+</p:sld>
+</file>
+
+<file path=ppt/slides/slide14.xml><?xml version="1.0" encoding="utf-8"?>
+<p:sld xmlns:a="http://schemas.openxmlformats.org/drawingml/2006/main" xmlns:r="http://schemas.openxmlformats.org/officeDocument/2006/relationships" xmlns:p="http://schemas.openxmlformats.org/presentationml/2006/main">
+  <p:cSld>
+    <p:spTree>
+      <p:nvGrpSpPr>
+        <p:cNvPr id="1" name=""/>
+        <p:cNvGrpSpPr/>
+        <p:nvPr/>
+      </p:nvGrpSpPr>
+      <p:grpSpPr>
+        <a:xfrm>
+          <a:off x="0" y="0"/>
+          <a:ext cx="0" cy="0"/>
+          <a:chOff x="0" y="0"/>
+          <a:chExt cx="0" cy="0"/>
+        </a:xfrm>
+      </p:grpSpPr>
+      <p:sp>
+        <p:nvSpPr>
+          <p:cNvPr id="6" name="Titel 5">
+            <a:extLst>
+              <a:ext uri="{FF2B5EF4-FFF2-40B4-BE49-F238E27FC236}">
+                <a16:creationId xmlns:a16="http://schemas.microsoft.com/office/drawing/2014/main" id="{A8CC5B59-6DB9-4E72-92F8-A65984EF380D}"/>
+              </a:ext>
+            </a:extLst>
+          </p:cNvPr>
+          <p:cNvSpPr>
+            <a:spLocks noGrp="1"/>
+          </p:cNvSpPr>
+          <p:nvPr>
+            <p:ph type="title"/>
+          </p:nvPr>
+        </p:nvSpPr>
+        <p:spPr/>
+        <p:txBody>
+          <a:bodyPr/>
+          <a:lstStyle/>
+          <a:p>
+            <a:r>
+              <a:rPr lang="de-CH"/>
+              <a:t>UNSER FAZIT</a:t>
+            </a:r>
+          </a:p>
+        </p:txBody>
+      </p:sp>
+      <p:sp>
+        <p:nvSpPr>
+          <p:cNvPr id="7" name="Inhaltsplatzhalter 6">
+            <a:extLst>
+              <a:ext uri="{FF2B5EF4-FFF2-40B4-BE49-F238E27FC236}">
+                <a16:creationId xmlns:a16="http://schemas.microsoft.com/office/drawing/2014/main" id="{F1099394-CDAA-4FEE-93E2-C5CF2F5A1B51}"/>
+              </a:ext>
+            </a:extLst>
+          </p:cNvPr>
+          <p:cNvSpPr>
+            <a:spLocks noGrp="1"/>
+          </p:cNvSpPr>
+          <p:nvPr>
+            <p:ph sz="half" idx="22"/>
+          </p:nvPr>
+        </p:nvSpPr>
+        <p:spPr>
+          <a:xfrm>
+            <a:off x="540000" y="1491630"/>
+            <a:ext cx="4968104" cy="3456384"/>
+          </a:xfrm>
+        </p:spPr>
+        <p:txBody>
+          <a:bodyPr/>
+          <a:lstStyle/>
+          <a:p>
+            <a:r>
+              <a:rPr lang="de-CH" dirty="0" err="1">
+                <a:sym typeface="Wingdings" panose="05000000000000000000" pitchFamily="2" charset="2"/>
+              </a:rPr>
+              <a:t>W</a:t>
+            </a:r>
+            <a:r>
+              <a:rPr lang="de-CH" sz="2000" dirty="0" err="1">
+                <a:sym typeface="Wingdings" panose="05000000000000000000" pitchFamily="2" charset="2"/>
+              </a:rPr>
+              <a:t>ith</a:t>
+            </a:r>
+            <a:r>
+              <a:rPr lang="de-CH" sz="2000" dirty="0">
+                <a:sym typeface="Wingdings" panose="05000000000000000000" pitchFamily="2" charset="2"/>
+              </a:rPr>
+              <a:t> </a:t>
+            </a:r>
+            <a:r>
+              <a:rPr lang="de-CH" sz="2000" dirty="0" err="1">
+                <a:sym typeface="Wingdings" panose="05000000000000000000" pitchFamily="2" charset="2"/>
+              </a:rPr>
+              <a:t>great</a:t>
+            </a:r>
+            <a:r>
+              <a:rPr lang="de-CH" sz="2000" dirty="0">
+                <a:sym typeface="Wingdings" panose="05000000000000000000" pitchFamily="2" charset="2"/>
+              </a:rPr>
+              <a:t> power </a:t>
+            </a:r>
+            <a:r>
+              <a:rPr lang="de-CH" sz="2000" dirty="0" err="1">
+                <a:sym typeface="Wingdings" panose="05000000000000000000" pitchFamily="2" charset="2"/>
+              </a:rPr>
+              <a:t>comes</a:t>
+            </a:r>
+            <a:r>
+              <a:rPr lang="de-CH" sz="2000" dirty="0">
+                <a:sym typeface="Wingdings" panose="05000000000000000000" pitchFamily="2" charset="2"/>
+              </a:rPr>
+              <a:t> </a:t>
+            </a:r>
+            <a:r>
+              <a:rPr lang="de-CH" sz="2000" dirty="0" err="1">
+                <a:sym typeface="Wingdings" panose="05000000000000000000" pitchFamily="2" charset="2"/>
+              </a:rPr>
+              <a:t>great</a:t>
+            </a:r>
+            <a:r>
+              <a:rPr lang="de-CH" sz="2000" dirty="0">
+                <a:sym typeface="Wingdings" panose="05000000000000000000" pitchFamily="2" charset="2"/>
+              </a:rPr>
+              <a:t> </a:t>
+            </a:r>
+            <a:r>
+              <a:rPr lang="de-CH" sz="2000" dirty="0" err="1">
+                <a:sym typeface="Wingdings" panose="05000000000000000000" pitchFamily="2" charset="2"/>
+              </a:rPr>
+              <a:t>responsibility</a:t>
+            </a:r>
+            <a:endParaRPr lang="de-CH" dirty="0">
+              <a:sym typeface="Wingdings" panose="05000000000000000000" pitchFamily="2" charset="2"/>
+            </a:endParaRPr>
+          </a:p>
+          <a:p>
             <a:r>
               <a:rPr lang="de-CH" dirty="0">
+                <a:effectLst/>
+                <a:latin typeface="Arial" panose="020B0604020202020204" pitchFamily="34" charset="0"/>
+              </a:rPr>
+              <a:t>OSS easy </a:t>
+            </a:r>
+            <a:r>
+              <a:rPr lang="de-CH" dirty="0" err="1">
+                <a:effectLst/>
+                <a:latin typeface="Arial" panose="020B0604020202020204" pitchFamily="34" charset="0"/>
+              </a:rPr>
+              <a:t>target</a:t>
+            </a:r>
+            <a:r>
+              <a:rPr lang="de-CH" dirty="0">
+                <a:effectLst/>
+                <a:latin typeface="Arial" panose="020B0604020202020204" pitchFamily="34" charset="0"/>
+              </a:rPr>
+              <a:t> </a:t>
+            </a:r>
+            <a:r>
+              <a:rPr lang="de-CH" dirty="0" err="1">
+                <a:effectLst/>
+                <a:latin typeface="Arial" panose="020B0604020202020204" pitchFamily="34" charset="0"/>
+              </a:rPr>
+              <a:t>if</a:t>
+            </a:r>
+            <a:r>
+              <a:rPr lang="de-CH" dirty="0">
+                <a:effectLst/>
+                <a:latin typeface="Arial" panose="020B0604020202020204" pitchFamily="34" charset="0"/>
+              </a:rPr>
+              <a:t> </a:t>
+            </a:r>
+            <a:r>
+              <a:rPr lang="de-CH" dirty="0" err="1">
+                <a:effectLst/>
+                <a:latin typeface="Arial" panose="020B0604020202020204" pitchFamily="34" charset="0"/>
+              </a:rPr>
+              <a:t>left</a:t>
+            </a:r>
+            <a:r>
+              <a:rPr lang="de-CH" dirty="0">
+                <a:effectLst/>
+                <a:latin typeface="Arial" panose="020B0604020202020204" pitchFamily="34" charset="0"/>
+              </a:rPr>
+              <a:t> </a:t>
+            </a:r>
+            <a:r>
+              <a:rPr lang="de-CH" dirty="0" err="1">
+                <a:effectLst/>
+                <a:latin typeface="Arial" panose="020B0604020202020204" pitchFamily="34" charset="0"/>
+              </a:rPr>
+              <a:t>unprotected</a:t>
+            </a:r>
+            <a:endParaRPr lang="de-CH" dirty="0">
+              <a:effectLst/>
+              <a:latin typeface="Arial" panose="020B0604020202020204" pitchFamily="34" charset="0"/>
+            </a:endParaRPr>
+          </a:p>
+          <a:p>
+            <a:r>
+              <a:rPr lang="de-CH" dirty="0" err="1">
+                <a:effectLst/>
+                <a:latin typeface="Arial" panose="020B0604020202020204" pitchFamily="34" charset="0"/>
+              </a:rPr>
+              <a:t>enforcing</a:t>
+            </a:r>
+            <a:r>
+              <a:rPr lang="de-CH" dirty="0">
+                <a:effectLst/>
+                <a:latin typeface="Arial" panose="020B0604020202020204" pitchFamily="34" charset="0"/>
+              </a:rPr>
+              <a:t> </a:t>
+            </a:r>
+            <a:r>
+              <a:rPr lang="de-CH" dirty="0" err="1">
+                <a:effectLst/>
+                <a:latin typeface="Arial" panose="020B0604020202020204" pitchFamily="34" charset="0"/>
+              </a:rPr>
+              <a:t>security</a:t>
+            </a:r>
+            <a:r>
+              <a:rPr lang="de-CH" dirty="0">
+                <a:effectLst/>
+                <a:latin typeface="Arial" panose="020B0604020202020204" pitchFamily="34" charset="0"/>
+              </a:rPr>
+              <a:t> </a:t>
+            </a:r>
+            <a:r>
+              <a:rPr lang="de-CH" dirty="0" err="1">
+                <a:effectLst/>
+                <a:latin typeface="Arial" panose="020B0604020202020204" pitchFamily="34" charset="0"/>
+              </a:rPr>
+              <a:t>policies</a:t>
+            </a:r>
+            <a:r>
+              <a:rPr lang="de-CH" dirty="0">
+                <a:effectLst/>
+                <a:latin typeface="Arial" panose="020B0604020202020204" pitchFamily="34" charset="0"/>
+              </a:rPr>
+              <a:t> </a:t>
+            </a:r>
+            <a:r>
+              <a:rPr lang="de-CH" dirty="0" err="1">
+                <a:effectLst/>
+                <a:latin typeface="Arial" panose="020B0604020202020204" pitchFamily="34" charset="0"/>
+              </a:rPr>
+              <a:t>throughout</a:t>
+            </a:r>
+            <a:r>
+              <a:rPr lang="de-CH" dirty="0">
+                <a:effectLst/>
+                <a:latin typeface="Arial" panose="020B0604020202020204" pitchFamily="34" charset="0"/>
+              </a:rPr>
+              <a:t> </a:t>
+            </a:r>
+            <a:r>
+              <a:rPr lang="de-CH" dirty="0" err="1">
+                <a:effectLst/>
+                <a:latin typeface="Arial" panose="020B0604020202020204" pitchFamily="34" charset="0"/>
+              </a:rPr>
+              <a:t>the</a:t>
+            </a:r>
+            <a:r>
+              <a:rPr lang="de-CH" dirty="0">
+                <a:effectLst/>
+                <a:latin typeface="Arial" panose="020B0604020202020204" pitchFamily="34" charset="0"/>
+              </a:rPr>
+              <a:t> </a:t>
+            </a:r>
+            <a:r>
+              <a:rPr lang="de-CH" dirty="0" err="1">
+                <a:effectLst/>
+                <a:latin typeface="Arial" panose="020B0604020202020204" pitchFamily="34" charset="0"/>
+              </a:rPr>
+              <a:t>software</a:t>
+            </a:r>
+            <a:r>
+              <a:rPr lang="de-CH" dirty="0">
+                <a:effectLst/>
+                <a:latin typeface="Arial" panose="020B0604020202020204" pitchFamily="34" charset="0"/>
+              </a:rPr>
+              <a:t> </a:t>
+            </a:r>
+            <a:r>
+              <a:rPr lang="de-CH" dirty="0" err="1">
+                <a:effectLst/>
+                <a:latin typeface="Arial" panose="020B0604020202020204" pitchFamily="34" charset="0"/>
+              </a:rPr>
+              <a:t>development</a:t>
+            </a:r>
+            <a:r>
+              <a:rPr lang="de-CH" dirty="0">
+                <a:effectLst/>
+                <a:latin typeface="Arial" panose="020B0604020202020204" pitchFamily="34" charset="0"/>
+              </a:rPr>
+              <a:t> </a:t>
+            </a:r>
+            <a:r>
+              <a:rPr lang="de-CH" dirty="0" err="1">
+                <a:effectLst/>
+                <a:latin typeface="Arial" panose="020B0604020202020204" pitchFamily="34" charset="0"/>
+              </a:rPr>
+              <a:t>lifecycle</a:t>
+            </a:r>
+            <a:r>
+              <a:rPr lang="de-CH" dirty="0">
+                <a:effectLst/>
+                <a:latin typeface="Arial" panose="020B0604020202020204" pitchFamily="34" charset="0"/>
+              </a:rPr>
+              <a:t> </a:t>
+            </a:r>
+          </a:p>
+          <a:p>
+            <a:endParaRPr lang="de-CH" dirty="0"/>
+          </a:p>
+          <a:p>
+            <a:r>
+              <a:rPr lang="de-CH" dirty="0"/>
+              <a:t>Open </a:t>
+            </a:r>
+            <a:r>
+              <a:rPr lang="de-CH" dirty="0" err="1"/>
+              <a:t>vs</a:t>
+            </a:r>
+            <a:r>
+              <a:rPr lang="de-CH" dirty="0"/>
+              <a:t> </a:t>
+            </a:r>
+            <a:r>
+              <a:rPr lang="de-CH" dirty="0" err="1"/>
+              <a:t>closed</a:t>
+            </a:r>
+            <a:r>
+              <a:rPr lang="de-CH" dirty="0"/>
+              <a:t> source:</a:t>
+            </a:r>
+          </a:p>
+          <a:p>
+            <a:pPr lvl="1"/>
+            <a:r>
+              <a:rPr lang="de-CH" dirty="0" err="1"/>
+              <a:t>Enforcing</a:t>
+            </a:r>
+            <a:r>
+              <a:rPr lang="de-CH" dirty="0"/>
+              <a:t> </a:t>
+            </a:r>
+            <a:r>
+              <a:rPr lang="de-CH" dirty="0" err="1"/>
+              <a:t>security</a:t>
+            </a:r>
+            <a:r>
+              <a:rPr lang="de-CH" dirty="0"/>
+              <a:t> </a:t>
+            </a:r>
+            <a:r>
+              <a:rPr lang="de-CH" dirty="0" err="1"/>
+              <a:t>standards</a:t>
+            </a:r>
+            <a:r>
+              <a:rPr lang="de-CH" dirty="0"/>
+              <a:t> and </a:t>
+            </a:r>
+            <a:r>
+              <a:rPr lang="de-CH" dirty="0" err="1"/>
+              <a:t>best</a:t>
+            </a:r>
+            <a:r>
+              <a:rPr lang="de-CH" dirty="0"/>
+              <a:t> </a:t>
+            </a:r>
+            <a:r>
+              <a:rPr lang="de-CH" dirty="0" err="1"/>
+              <a:t>practices</a:t>
+            </a:r>
+            <a:r>
+              <a:rPr lang="de-CH" dirty="0"/>
+              <a:t> </a:t>
+            </a:r>
+            <a:r>
+              <a:rPr lang="de-CH" dirty="0" err="1"/>
+              <a:t>during</a:t>
+            </a:r>
+            <a:r>
+              <a:rPr lang="de-CH" dirty="0"/>
+              <a:t> </a:t>
+            </a:r>
+            <a:r>
+              <a:rPr lang="de-CH" dirty="0" err="1"/>
+              <a:t>the</a:t>
+            </a:r>
+            <a:r>
+              <a:rPr lang="de-CH" dirty="0"/>
+              <a:t> </a:t>
+            </a:r>
+            <a:r>
+              <a:rPr lang="de-CH" dirty="0" err="1"/>
+              <a:t>development</a:t>
+            </a:r>
+            <a:r>
+              <a:rPr lang="de-CH" dirty="0"/>
+              <a:t> </a:t>
+            </a:r>
+            <a:r>
+              <a:rPr lang="de-CH" dirty="0" err="1"/>
+              <a:t>process</a:t>
+            </a:r>
+            <a:r>
+              <a:rPr lang="de-CH" dirty="0"/>
+              <a:t> </a:t>
+            </a:r>
+            <a:r>
+              <a:rPr lang="de-CH" dirty="0" err="1"/>
+              <a:t>have</a:t>
+            </a:r>
+            <a:r>
+              <a:rPr lang="de-CH" dirty="0"/>
+              <a:t> </a:t>
+            </a:r>
+            <a:r>
+              <a:rPr lang="de-CH" dirty="0" err="1"/>
+              <a:t>the</a:t>
+            </a:r>
+            <a:r>
+              <a:rPr lang="de-CH" dirty="0"/>
+              <a:t> </a:t>
+            </a:r>
+            <a:r>
+              <a:rPr lang="de-CH" dirty="0" err="1"/>
+              <a:t>best</a:t>
+            </a:r>
+            <a:r>
+              <a:rPr lang="de-CH" dirty="0"/>
+              <a:t> </a:t>
+            </a:r>
+            <a:r>
+              <a:rPr lang="de-CH" dirty="0" err="1"/>
+              <a:t>chance</a:t>
+            </a:r>
+            <a:r>
+              <a:rPr lang="de-CH" dirty="0"/>
+              <a:t> </a:t>
+            </a:r>
+            <a:r>
+              <a:rPr lang="de-CH" dirty="0" err="1"/>
+              <a:t>of</a:t>
+            </a:r>
+            <a:r>
+              <a:rPr lang="de-CH" dirty="0"/>
+              <a:t> </a:t>
+            </a:r>
+            <a:r>
+              <a:rPr lang="de-CH" dirty="0" err="1"/>
+              <a:t>making</a:t>
+            </a:r>
+            <a:r>
+              <a:rPr lang="de-CH" dirty="0"/>
+              <a:t> a </a:t>
+            </a:r>
+            <a:r>
+              <a:rPr lang="de-CH" dirty="0" err="1"/>
+              <a:t>software</a:t>
+            </a:r>
+            <a:r>
+              <a:rPr lang="de-CH" dirty="0"/>
+              <a:t> robust</a:t>
+            </a:r>
+          </a:p>
+        </p:txBody>
+      </p:sp>
+      <p:pic>
+        <p:nvPicPr>
+          <p:cNvPr id="3" name="Picture 2">
+            <a:extLst>
+              <a:ext uri="{FF2B5EF4-FFF2-40B4-BE49-F238E27FC236}">
+                <a16:creationId xmlns:a16="http://schemas.microsoft.com/office/drawing/2014/main" id="{4CC9AEB3-CE30-2386-D212-EC6C3D26DAF7}"/>
+              </a:ext>
+            </a:extLst>
+          </p:cNvPr>
+          <p:cNvPicPr>
+            <a:picLocks noChangeAspect="1" noChangeArrowheads="1"/>
+          </p:cNvPicPr>
+          <p:nvPr/>
+        </p:nvPicPr>
+        <p:blipFill>
+          <a:blip r:embed="rId2">
+            <a:extLst>
+              <a:ext uri="{28A0092B-C50C-407E-A947-70E740481C1C}">
+                <a14:useLocalDpi xmlns:a14="http://schemas.microsoft.com/office/drawing/2010/main" val="0"/>
+              </a:ext>
+            </a:extLst>
+          </a:blip>
+          <a:srcRect/>
+          <a:stretch>
+            <a:fillRect/>
+          </a:stretch>
+        </p:blipFill>
+        <p:spPr bwMode="auto">
+          <a:xfrm>
+            <a:off x="5580112" y="2298986"/>
+            <a:ext cx="3290209" cy="2471014"/>
+          </a:xfrm>
+          <a:prstGeom prst="rect">
+            <a:avLst/>
+          </a:prstGeom>
+          <a:noFill/>
+          <a:extLst>
+            <a:ext uri="{909E8E84-426E-40DD-AFC4-6F175D3DCCD1}">
+              <a14:hiddenFill xmlns:a14="http://schemas.microsoft.com/office/drawing/2010/main">
                 <a:solidFill>
-                  <a:schemeClr val="tx1"/>
+                  <a:srgbClr val="FFFFFF"/>
                 </a:solidFill>
-              </a:rPr>
-              <a:t>FOTO/</a:t>
-            </a:r>
-          </a:p>
-          <a:p>
-            <a:pPr algn="ctr"/>
-            <a:r>
-              <a:rPr lang="de-CH" dirty="0">
-                <a:solidFill>
-                  <a:schemeClr val="tx1"/>
-                </a:solidFill>
-              </a:rPr>
-              <a:t>GRAFIK/</a:t>
-            </a:r>
-          </a:p>
-          <a:p>
-            <a:pPr algn="ctr"/>
-            <a:r>
-              <a:rPr lang="de-CH" dirty="0">
-                <a:solidFill>
-                  <a:schemeClr val="tx1"/>
-                </a:solidFill>
-              </a:rPr>
-              <a:t>SCREENSHOT</a:t>
-            </a:r>
-          </a:p>
-        </p:txBody>
-      </p:sp>
+              </a14:hiddenFill>
+            </a:ext>
+          </a:extLst>
+        </p:spPr>
+      </p:pic>
     </p:spTree>
     <p:extLst>
       <p:ext uri="{BB962C8B-B14F-4D97-AF65-F5344CB8AC3E}">
@@ -6607,89 +8328,53 @@
           </a:p>
         </p:txBody>
       </p:sp>
-      <p:sp>
-        <p:nvSpPr>
-          <p:cNvPr id="2" name="Rechteck 1">
+      <p:pic>
+        <p:nvPicPr>
+          <p:cNvPr id="8" name="Picture 2">
             <a:extLst>
               <a:ext uri="{FF2B5EF4-FFF2-40B4-BE49-F238E27FC236}">
-                <a16:creationId xmlns:a16="http://schemas.microsoft.com/office/drawing/2014/main" id="{3C5FD3C8-AA40-4BFE-BDE2-80F197C34B89}"/>
+                <a16:creationId xmlns:a16="http://schemas.microsoft.com/office/drawing/2014/main" id="{F215A401-BB06-6FBD-80E3-C777C7995AB4}"/>
               </a:ext>
             </a:extLst>
           </p:cNvPr>
-          <p:cNvSpPr/>
+          <p:cNvPicPr>
+            <a:picLocks noChangeAspect="1" noChangeArrowheads="1"/>
+          </p:cNvPicPr>
           <p:nvPr/>
-        </p:nvSpPr>
-        <p:spPr>
+        </p:nvPicPr>
+        <p:blipFill>
+          <a:blip r:embed="rId3">
+            <a:extLst>
+              <a:ext uri="{28A0092B-C50C-407E-A947-70E740481C1C}">
+                <a14:useLocalDpi xmlns:a14="http://schemas.microsoft.com/office/drawing/2010/main" val="0"/>
+              </a:ext>
+            </a:extLst>
+          </a:blip>
+          <a:srcRect/>
+          <a:stretch>
+            <a:fillRect/>
+          </a:stretch>
+        </p:blipFill>
+        <p:spPr bwMode="auto">
           <a:xfrm>
-            <a:off x="6588224" y="2787774"/>
-            <a:ext cx="2232247" cy="1886719"/>
+            <a:off x="5580112" y="2298986"/>
+            <a:ext cx="3290209" cy="2471014"/>
           </a:xfrm>
           <a:prstGeom prst="rect">
             <a:avLst/>
           </a:prstGeom>
-          <a:solidFill>
-            <a:schemeClr val="bg1"/>
-          </a:solidFill>
-          <a:ln>
-            <a:solidFill>
-              <a:schemeClr val="tx1"/>
-            </a:solidFill>
-          </a:ln>
+          <a:noFill/>
+          <a:extLst>
+            <a:ext uri="{909E8E84-426E-40DD-AFC4-6F175D3DCCD1}">
+              <a14:hiddenFill xmlns:a14="http://schemas.microsoft.com/office/drawing/2010/main">
+                <a:solidFill>
+                  <a:srgbClr val="FFFFFF"/>
+                </a:solidFill>
+              </a14:hiddenFill>
+            </a:ext>
+          </a:extLst>
         </p:spPr>
-        <p:style>
-          <a:lnRef idx="2">
-            <a:schemeClr val="accent1">
-              <a:shade val="50000"/>
-            </a:schemeClr>
-          </a:lnRef>
-          <a:fillRef idx="1">
-            <a:schemeClr val="accent1"/>
-          </a:fillRef>
-          <a:effectRef idx="0">
-            <a:schemeClr val="accent1"/>
-          </a:effectRef>
-          <a:fontRef idx="minor">
-            <a:schemeClr val="lt1"/>
-          </a:fontRef>
-        </p:style>
-        <p:txBody>
-          <a:bodyPr rtlCol="0" anchor="ctr"/>
-          <a:lstStyle/>
-          <a:p>
-            <a:pPr algn="ctr"/>
-            <a:r>
-              <a:rPr lang="de-CH" dirty="0">
-                <a:solidFill>
-                  <a:schemeClr val="tx1"/>
-                </a:solidFill>
-              </a:rPr>
-              <a:t>THEMATISCH GRAFIK/</a:t>
-            </a:r>
-          </a:p>
-          <a:p>
-            <a:pPr algn="ctr"/>
-            <a:r>
-              <a:rPr lang="de-CH" dirty="0">
-                <a:solidFill>
-                  <a:schemeClr val="tx1"/>
-                </a:solidFill>
-              </a:rPr>
-              <a:t>ICON/</a:t>
-            </a:r>
-          </a:p>
-          <a:p>
-            <a:pPr algn="ctr"/>
-            <a:r>
-              <a:rPr lang="de-CH" dirty="0">
-                <a:solidFill>
-                  <a:schemeClr val="tx1"/>
-                </a:solidFill>
-              </a:rPr>
-              <a:t>SYMBOL</a:t>
-            </a:r>
-          </a:p>
-        </p:txBody>
-      </p:sp>
+      </p:pic>
     </p:spTree>
     <p:extLst>
       <p:ext uri="{BB962C8B-B14F-4D97-AF65-F5344CB8AC3E}">
@@ -6722,13 +8407,7 @@
       </p:grpSpPr>
       <p:sp>
         <p:nvSpPr>
-          <p:cNvPr id="6" name="Titel 5">
-            <a:extLst>
-              <a:ext uri="{FF2B5EF4-FFF2-40B4-BE49-F238E27FC236}">
-                <a16:creationId xmlns:a16="http://schemas.microsoft.com/office/drawing/2014/main" id="{A8CC5B59-6DB9-4E72-92F8-A65984EF380D}"/>
-              </a:ext>
-            </a:extLst>
-          </p:cNvPr>
+          <p:cNvPr id="7" name="Titel 6"/>
           <p:cNvSpPr>
             <a:spLocks noGrp="1"/>
           </p:cNvSpPr>
@@ -6743,45 +8422,496 @@
           <a:p>
             <a:r>
               <a:rPr lang="de-CH" dirty="0"/>
-              <a:t>PUBLIKATION A</a:t>
-            </a:r>
-          </a:p>
-        </p:txBody>
-      </p:sp>
-      <p:sp>
-        <p:nvSpPr>
-          <p:cNvPr id="7" name="Inhaltsplatzhalter 6">
+              <a:t>Open vs. </a:t>
+            </a:r>
+            <a:r>
+              <a:rPr lang="de-CH" dirty="0" err="1"/>
+              <a:t>Closed</a:t>
+            </a:r>
+            <a:r>
+              <a:rPr lang="de-CH"/>
+              <a:t> Source Sicherheit</a:t>
+            </a:r>
+          </a:p>
+        </p:txBody>
+      </p:sp>
+      <p:sp>
+        <p:nvSpPr>
+          <p:cNvPr id="6" name="Inhaltsplatzhalter 6">
             <a:extLst>
               <a:ext uri="{FF2B5EF4-FFF2-40B4-BE49-F238E27FC236}">
-                <a16:creationId xmlns:a16="http://schemas.microsoft.com/office/drawing/2014/main" id="{F1099394-CDAA-4FEE-93E2-C5CF2F5A1B51}"/>
+                <a16:creationId xmlns:a16="http://schemas.microsoft.com/office/drawing/2014/main" id="{8EB5A3BF-90E9-7D7F-17EF-82B1274DA34F}"/>
               </a:ext>
             </a:extLst>
           </p:cNvPr>
-          <p:cNvSpPr>
-            <a:spLocks noGrp="1"/>
+          <p:cNvSpPr txBox="1">
+            <a:spLocks/>
           </p:cNvSpPr>
-          <p:nvPr>
-            <p:ph sz="half" idx="22"/>
-          </p:nvPr>
-        </p:nvSpPr>
-        <p:spPr/>
+          <p:nvPr/>
+        </p:nvSpPr>
+        <p:spPr>
+          <a:xfrm>
+            <a:off x="540000" y="2283718"/>
+            <a:ext cx="4032000" cy="2088232"/>
+          </a:xfrm>
+          <a:prstGeom prst="rect">
+            <a:avLst/>
+          </a:prstGeom>
+        </p:spPr>
         <p:txBody>
           <a:bodyPr/>
-          <a:lstStyle/>
-          <a:p>
-            <a:r>
-              <a:rPr lang="de-CH" dirty="0"/>
-              <a:t>WICHTIGSTE PUNKTE</a:t>
-            </a:r>
-          </a:p>
-        </p:txBody>
-      </p:sp>
-      <p:sp>
-        <p:nvSpPr>
-          <p:cNvPr id="5" name="Rechteck 4">
+          <a:lstStyle>
+            <a:lvl1pPr marL="0" indent="0" algn="l" defTabSz="914377" rtl="0" eaLnBrk="1" latinLnBrk="0" hangingPunct="1">
+              <a:lnSpc>
+                <a:spcPct val="90000"/>
+              </a:lnSpc>
+              <a:spcBef>
+                <a:spcPts val="1000"/>
+              </a:spcBef>
+              <a:buFont typeface="Arial" panose="020B0604020202020204" pitchFamily="34" charset="0"/>
+              <a:buNone/>
+              <a:defRPr sz="2800" kern="1200">
+                <a:solidFill>
+                  <a:schemeClr val="tx1"/>
+                </a:solidFill>
+                <a:latin typeface="+mn-lt"/>
+                <a:ea typeface="+mn-ea"/>
+                <a:cs typeface="+mn-cs"/>
+              </a:defRPr>
+            </a:lvl1pPr>
+            <a:lvl2pPr marL="685783" indent="-228594" algn="l" defTabSz="914377" rtl="0" eaLnBrk="1" latinLnBrk="0" hangingPunct="1">
+              <a:lnSpc>
+                <a:spcPct val="90000"/>
+              </a:lnSpc>
+              <a:spcBef>
+                <a:spcPts val="500"/>
+              </a:spcBef>
+              <a:buFont typeface="Arial" panose="020B0604020202020204" pitchFamily="34" charset="0"/>
+              <a:buChar char="•"/>
+              <a:defRPr sz="2400" kern="1200">
+                <a:solidFill>
+                  <a:schemeClr val="tx1"/>
+                </a:solidFill>
+                <a:latin typeface="+mn-lt"/>
+                <a:ea typeface="+mn-ea"/>
+                <a:cs typeface="+mn-cs"/>
+              </a:defRPr>
+            </a:lvl2pPr>
+            <a:lvl3pPr marL="1142971" indent="-228594" algn="l" defTabSz="914377" rtl="0" eaLnBrk="1" latinLnBrk="0" hangingPunct="1">
+              <a:lnSpc>
+                <a:spcPct val="90000"/>
+              </a:lnSpc>
+              <a:spcBef>
+                <a:spcPts val="500"/>
+              </a:spcBef>
+              <a:buFont typeface="Arial" panose="020B0604020202020204" pitchFamily="34" charset="0"/>
+              <a:buChar char="•"/>
+              <a:defRPr sz="2000" kern="1200">
+                <a:solidFill>
+                  <a:schemeClr val="tx1"/>
+                </a:solidFill>
+                <a:latin typeface="+mn-lt"/>
+                <a:ea typeface="+mn-ea"/>
+                <a:cs typeface="+mn-cs"/>
+              </a:defRPr>
+            </a:lvl3pPr>
+            <a:lvl4pPr marL="1600160" indent="-228594" algn="l" defTabSz="914377" rtl="0" eaLnBrk="1" latinLnBrk="0" hangingPunct="1">
+              <a:lnSpc>
+                <a:spcPct val="90000"/>
+              </a:lnSpc>
+              <a:spcBef>
+                <a:spcPts val="500"/>
+              </a:spcBef>
+              <a:buFont typeface="Arial" panose="020B0604020202020204" pitchFamily="34" charset="0"/>
+              <a:buChar char="•"/>
+              <a:defRPr sz="1800" kern="1200">
+                <a:solidFill>
+                  <a:schemeClr val="tx1"/>
+                </a:solidFill>
+                <a:latin typeface="+mn-lt"/>
+                <a:ea typeface="+mn-ea"/>
+                <a:cs typeface="+mn-cs"/>
+              </a:defRPr>
+            </a:lvl4pPr>
+            <a:lvl5pPr marL="2057349" indent="-228594" algn="l" defTabSz="914377" rtl="0" eaLnBrk="1" latinLnBrk="0" hangingPunct="1">
+              <a:lnSpc>
+                <a:spcPct val="90000"/>
+              </a:lnSpc>
+              <a:spcBef>
+                <a:spcPts val="500"/>
+              </a:spcBef>
+              <a:buFont typeface="Arial" panose="020B0604020202020204" pitchFamily="34" charset="0"/>
+              <a:buChar char="•"/>
+              <a:defRPr sz="1800" kern="1200">
+                <a:solidFill>
+                  <a:schemeClr val="tx1"/>
+                </a:solidFill>
+                <a:latin typeface="+mn-lt"/>
+                <a:ea typeface="+mn-ea"/>
+                <a:cs typeface="+mn-cs"/>
+              </a:defRPr>
+            </a:lvl5pPr>
+            <a:lvl6pPr marL="2514537" indent="-228594" algn="l" defTabSz="914377" rtl="0" eaLnBrk="1" latinLnBrk="0" hangingPunct="1">
+              <a:lnSpc>
+                <a:spcPct val="90000"/>
+              </a:lnSpc>
+              <a:spcBef>
+                <a:spcPts val="500"/>
+              </a:spcBef>
+              <a:buFont typeface="Arial" panose="020B0604020202020204" pitchFamily="34" charset="0"/>
+              <a:buChar char="•"/>
+              <a:defRPr sz="1800" kern="1200">
+                <a:solidFill>
+                  <a:schemeClr val="tx1"/>
+                </a:solidFill>
+                <a:latin typeface="+mn-lt"/>
+                <a:ea typeface="+mn-ea"/>
+                <a:cs typeface="+mn-cs"/>
+              </a:defRPr>
+            </a:lvl6pPr>
+            <a:lvl7pPr marL="2971726" indent="-228594" algn="l" defTabSz="914377" rtl="0" eaLnBrk="1" latinLnBrk="0" hangingPunct="1">
+              <a:lnSpc>
+                <a:spcPct val="90000"/>
+              </a:lnSpc>
+              <a:spcBef>
+                <a:spcPts val="500"/>
+              </a:spcBef>
+              <a:buFont typeface="Arial" panose="020B0604020202020204" pitchFamily="34" charset="0"/>
+              <a:buChar char="•"/>
+              <a:defRPr sz="1800" kern="1200">
+                <a:solidFill>
+                  <a:schemeClr val="tx1"/>
+                </a:solidFill>
+                <a:latin typeface="+mn-lt"/>
+                <a:ea typeface="+mn-ea"/>
+                <a:cs typeface="+mn-cs"/>
+              </a:defRPr>
+            </a:lvl7pPr>
+            <a:lvl8pPr marL="3428914" indent="-228594" algn="l" defTabSz="914377" rtl="0" eaLnBrk="1" latinLnBrk="0" hangingPunct="1">
+              <a:lnSpc>
+                <a:spcPct val="90000"/>
+              </a:lnSpc>
+              <a:spcBef>
+                <a:spcPts val="500"/>
+              </a:spcBef>
+              <a:buFont typeface="Arial" panose="020B0604020202020204" pitchFamily="34" charset="0"/>
+              <a:buChar char="•"/>
+              <a:defRPr sz="1800" kern="1200">
+                <a:solidFill>
+                  <a:schemeClr val="tx1"/>
+                </a:solidFill>
+                <a:latin typeface="+mn-lt"/>
+                <a:ea typeface="+mn-ea"/>
+                <a:cs typeface="+mn-cs"/>
+              </a:defRPr>
+            </a:lvl8pPr>
+            <a:lvl9pPr marL="3886103" indent="-228594" algn="l" defTabSz="914377" rtl="0" eaLnBrk="1" latinLnBrk="0" hangingPunct="1">
+              <a:lnSpc>
+                <a:spcPct val="90000"/>
+              </a:lnSpc>
+              <a:spcBef>
+                <a:spcPts val="500"/>
+              </a:spcBef>
+              <a:buFont typeface="Arial" panose="020B0604020202020204" pitchFamily="34" charset="0"/>
+              <a:buChar char="•"/>
+              <a:defRPr sz="1800" kern="1200">
+                <a:solidFill>
+                  <a:schemeClr val="tx1"/>
+                </a:solidFill>
+                <a:latin typeface="+mn-lt"/>
+                <a:ea typeface="+mn-ea"/>
+                <a:cs typeface="+mn-cs"/>
+              </a:defRPr>
+            </a:lvl9pPr>
+          </a:lstStyle>
+          <a:p>
+            <a:pPr marL="6350"/>
+            <a:r>
+              <a:rPr lang="de-CH" sz="2000"/>
+              <a:t>Given </a:t>
+            </a:r>
+            <a:r>
+              <a:rPr lang="de-CH" sz="2000" err="1"/>
+              <a:t>enough</a:t>
+            </a:r>
+            <a:r>
+              <a:rPr lang="de-CH" sz="2000"/>
+              <a:t> </a:t>
+            </a:r>
+            <a:r>
+              <a:rPr lang="de-CH" sz="2000" err="1"/>
+              <a:t>eyeballs</a:t>
+            </a:r>
+            <a:r>
+              <a:rPr lang="de-CH" sz="2000"/>
+              <a:t>, all </a:t>
+            </a:r>
+            <a:r>
+              <a:rPr lang="de-CH" sz="2000" err="1"/>
+              <a:t>bugs</a:t>
+            </a:r>
+            <a:r>
+              <a:rPr lang="de-CH" sz="2000"/>
+              <a:t> </a:t>
+            </a:r>
+            <a:r>
+              <a:rPr lang="de-CH" sz="2000" err="1"/>
+              <a:t>are</a:t>
+            </a:r>
+            <a:r>
+              <a:rPr lang="de-CH" sz="2000"/>
+              <a:t> </a:t>
+            </a:r>
+            <a:r>
+              <a:rPr lang="de-CH" sz="2000" err="1"/>
+              <a:t>shallow</a:t>
+            </a:r>
+            <a:endParaRPr lang="de-CH" sz="2000"/>
+          </a:p>
+          <a:p>
+            <a:pPr marL="6350"/>
+            <a:r>
+              <a:rPr lang="de-CH" sz="2000"/>
+              <a:t>- </a:t>
+            </a:r>
+            <a:r>
+              <a:rPr lang="de-CH" sz="2000" err="1"/>
+              <a:t>Linus’s</a:t>
+            </a:r>
+            <a:r>
+              <a:rPr lang="de-CH" sz="2000"/>
+              <a:t> Law</a:t>
+            </a:r>
+          </a:p>
+          <a:p>
+            <a:pPr marL="6350"/>
+            <a:endParaRPr lang="de-CH" sz="2000"/>
+          </a:p>
+        </p:txBody>
+      </p:sp>
+      <p:sp>
+        <p:nvSpPr>
+          <p:cNvPr id="8" name="Inhaltsplatzhalter 6">
             <a:extLst>
               <a:ext uri="{FF2B5EF4-FFF2-40B4-BE49-F238E27FC236}">
-                <a16:creationId xmlns:a16="http://schemas.microsoft.com/office/drawing/2014/main" id="{4E32DB78-792F-45F1-9DFA-EC87A5399669}"/>
+                <a16:creationId xmlns:a16="http://schemas.microsoft.com/office/drawing/2014/main" id="{737A91E1-235D-A461-0481-93D74595A9D6}"/>
+              </a:ext>
+            </a:extLst>
+          </p:cNvPr>
+          <p:cNvSpPr txBox="1">
+            <a:spLocks/>
+          </p:cNvSpPr>
+          <p:nvPr/>
+        </p:nvSpPr>
+        <p:spPr>
+          <a:xfrm>
+            <a:off x="5292080" y="2294891"/>
+            <a:ext cx="4032000" cy="864096"/>
+          </a:xfrm>
+          <a:prstGeom prst="rect">
+            <a:avLst/>
+          </a:prstGeom>
+        </p:spPr>
+        <p:txBody>
+          <a:bodyPr lIns="0" tIns="0" rIns="0" bIns="0"/>
+          <a:lstStyle>
+            <a:lvl1pPr marL="268288" indent="-261938" algn="l" defTabSz="914377" rtl="0" eaLnBrk="1" latinLnBrk="0" hangingPunct="1">
+              <a:lnSpc>
+                <a:spcPct val="100000"/>
+              </a:lnSpc>
+              <a:spcBef>
+                <a:spcPts val="600"/>
+              </a:spcBef>
+              <a:buFont typeface="Symbol" pitchFamily="2" charset="2"/>
+              <a:buChar char="-"/>
+              <a:tabLst/>
+              <a:defRPr sz="2000" kern="1200">
+                <a:solidFill>
+                  <a:schemeClr val="tx1"/>
+                </a:solidFill>
+                <a:latin typeface="Arial" panose="020B0604020202020204" pitchFamily="34" charset="0"/>
+                <a:ea typeface="+mn-ea"/>
+                <a:cs typeface="Arial" panose="020B0604020202020204" pitchFamily="34" charset="0"/>
+              </a:defRPr>
+            </a:lvl1pPr>
+            <a:lvl2pPr marL="541338" indent="-261938" algn="l" defTabSz="914377" rtl="0" eaLnBrk="1" latinLnBrk="0" hangingPunct="1">
+              <a:lnSpc>
+                <a:spcPct val="90000"/>
+              </a:lnSpc>
+              <a:spcBef>
+                <a:spcPts val="600"/>
+              </a:spcBef>
+              <a:buFont typeface="Symbol" pitchFamily="2" charset="2"/>
+              <a:buChar char="-"/>
+              <a:tabLst/>
+              <a:defRPr sz="1800" kern="1200">
+                <a:solidFill>
+                  <a:schemeClr val="tx1"/>
+                </a:solidFill>
+                <a:latin typeface="Arial" panose="020B0604020202020204" pitchFamily="34" charset="0"/>
+                <a:ea typeface="+mn-ea"/>
+                <a:cs typeface="Arial" panose="020B0604020202020204" pitchFamily="34" charset="0"/>
+              </a:defRPr>
+            </a:lvl2pPr>
+            <a:lvl3pPr marL="666750" indent="-222250" algn="l" defTabSz="914377" rtl="0" eaLnBrk="1" latinLnBrk="0" hangingPunct="1">
+              <a:lnSpc>
+                <a:spcPct val="100000"/>
+              </a:lnSpc>
+              <a:spcBef>
+                <a:spcPts val="600"/>
+              </a:spcBef>
+              <a:buFont typeface="Symbol" pitchFamily="2" charset="2"/>
+              <a:buChar char="-"/>
+              <a:tabLst/>
+              <a:defRPr sz="1600" kern="1200">
+                <a:solidFill>
+                  <a:schemeClr val="tx1"/>
+                </a:solidFill>
+                <a:latin typeface="Arial" panose="020B0604020202020204" pitchFamily="34" charset="0"/>
+                <a:ea typeface="+mn-ea"/>
+                <a:cs typeface="Arial" panose="020B0604020202020204" pitchFamily="34" charset="0"/>
+              </a:defRPr>
+            </a:lvl3pPr>
+            <a:lvl4pPr marL="1069975" indent="-180975" algn="l" defTabSz="914377" rtl="0" eaLnBrk="1" latinLnBrk="0" hangingPunct="1">
+              <a:lnSpc>
+                <a:spcPct val="100000"/>
+              </a:lnSpc>
+              <a:spcBef>
+                <a:spcPts val="600"/>
+              </a:spcBef>
+              <a:buFont typeface="Symbol" pitchFamily="2" charset="2"/>
+              <a:buChar char="-"/>
+              <a:tabLst/>
+              <a:defRPr sz="1400" kern="1200">
+                <a:solidFill>
+                  <a:schemeClr val="tx1"/>
+                </a:solidFill>
+                <a:latin typeface="Arial" panose="020B0604020202020204" pitchFamily="34" charset="0"/>
+                <a:ea typeface="+mn-ea"/>
+                <a:cs typeface="Arial" panose="020B0604020202020204" pitchFamily="34" charset="0"/>
+              </a:defRPr>
+            </a:lvl4pPr>
+            <a:lvl5pPr marL="1828800" indent="0" algn="l" defTabSz="914377" rtl="0" eaLnBrk="1" latinLnBrk="0" hangingPunct="1">
+              <a:lnSpc>
+                <a:spcPct val="90000"/>
+              </a:lnSpc>
+              <a:spcBef>
+                <a:spcPts val="500"/>
+              </a:spcBef>
+              <a:buFont typeface="Arial" panose="020B0604020202020204" pitchFamily="34" charset="0"/>
+              <a:buNone/>
+              <a:defRPr sz="1800" kern="1200">
+                <a:solidFill>
+                  <a:schemeClr val="tx1"/>
+                </a:solidFill>
+                <a:latin typeface="+mn-lt"/>
+                <a:ea typeface="+mn-ea"/>
+                <a:cs typeface="+mn-cs"/>
+              </a:defRPr>
+            </a:lvl5pPr>
+            <a:lvl6pPr marL="2514537" indent="-228594" algn="l" defTabSz="914377" rtl="0" eaLnBrk="1" latinLnBrk="0" hangingPunct="1">
+              <a:lnSpc>
+                <a:spcPct val="90000"/>
+              </a:lnSpc>
+              <a:spcBef>
+                <a:spcPts val="500"/>
+              </a:spcBef>
+              <a:buFont typeface="Arial" panose="020B0604020202020204" pitchFamily="34" charset="0"/>
+              <a:buChar char="•"/>
+              <a:defRPr sz="1800" kern="1200">
+                <a:solidFill>
+                  <a:schemeClr val="tx1"/>
+                </a:solidFill>
+                <a:latin typeface="+mn-lt"/>
+                <a:ea typeface="+mn-ea"/>
+                <a:cs typeface="+mn-cs"/>
+              </a:defRPr>
+            </a:lvl6pPr>
+            <a:lvl7pPr marL="2971726" indent="-228594" algn="l" defTabSz="914377" rtl="0" eaLnBrk="1" latinLnBrk="0" hangingPunct="1">
+              <a:lnSpc>
+                <a:spcPct val="90000"/>
+              </a:lnSpc>
+              <a:spcBef>
+                <a:spcPts val="500"/>
+              </a:spcBef>
+              <a:buFont typeface="Arial" panose="020B0604020202020204" pitchFamily="34" charset="0"/>
+              <a:buChar char="•"/>
+              <a:defRPr sz="1800" kern="1200">
+                <a:solidFill>
+                  <a:schemeClr val="tx1"/>
+                </a:solidFill>
+                <a:latin typeface="+mn-lt"/>
+                <a:ea typeface="+mn-ea"/>
+                <a:cs typeface="+mn-cs"/>
+              </a:defRPr>
+            </a:lvl7pPr>
+            <a:lvl8pPr marL="3428914" indent="-228594" algn="l" defTabSz="914377" rtl="0" eaLnBrk="1" latinLnBrk="0" hangingPunct="1">
+              <a:lnSpc>
+                <a:spcPct val="90000"/>
+              </a:lnSpc>
+              <a:spcBef>
+                <a:spcPts val="500"/>
+              </a:spcBef>
+              <a:buFont typeface="Arial" panose="020B0604020202020204" pitchFamily="34" charset="0"/>
+              <a:buChar char="•"/>
+              <a:defRPr sz="1800" kern="1200">
+                <a:solidFill>
+                  <a:schemeClr val="tx1"/>
+                </a:solidFill>
+                <a:latin typeface="+mn-lt"/>
+                <a:ea typeface="+mn-ea"/>
+                <a:cs typeface="+mn-cs"/>
+              </a:defRPr>
+            </a:lvl8pPr>
+            <a:lvl9pPr marL="3886103" indent="-228594" algn="l" defTabSz="914377" rtl="0" eaLnBrk="1" latinLnBrk="0" hangingPunct="1">
+              <a:lnSpc>
+                <a:spcPct val="90000"/>
+              </a:lnSpc>
+              <a:spcBef>
+                <a:spcPts val="500"/>
+              </a:spcBef>
+              <a:buFont typeface="Arial" panose="020B0604020202020204" pitchFamily="34" charset="0"/>
+              <a:buChar char="•"/>
+              <a:defRPr sz="1800" kern="1200">
+                <a:solidFill>
+                  <a:schemeClr val="tx1"/>
+                </a:solidFill>
+                <a:latin typeface="+mn-lt"/>
+                <a:ea typeface="+mn-ea"/>
+                <a:cs typeface="+mn-cs"/>
+              </a:defRPr>
+            </a:lvl9pPr>
+          </a:lstStyle>
+          <a:p>
+            <a:pPr marL="6350" indent="0">
+              <a:buNone/>
+            </a:pPr>
+            <a:r>
+              <a:rPr lang="de-CH"/>
+              <a:t>Heartbleed</a:t>
+            </a:r>
+          </a:p>
+          <a:p>
+            <a:pPr marL="6350" indent="0">
+              <a:buNone/>
+            </a:pPr>
+            <a:r>
+              <a:rPr lang="de-CH" err="1">
+                <a:effectLst/>
+                <a:latin typeface="Arial" panose="020B0604020202020204" pitchFamily="34" charset="0"/>
+              </a:rPr>
+              <a:t>Shellshock</a:t>
+            </a:r>
+            <a:endParaRPr lang="de-CH"/>
+          </a:p>
+        </p:txBody>
+      </p:sp>
+      <p:sp>
+        <p:nvSpPr>
+          <p:cNvPr id="9" name="Gewitterblitz 8">
+            <a:extLst>
+              <a:ext uri="{FF2B5EF4-FFF2-40B4-BE49-F238E27FC236}">
+                <a16:creationId xmlns:a16="http://schemas.microsoft.com/office/drawing/2014/main" id="{C029A154-7F96-8436-50F4-361A30359E07}"/>
               </a:ext>
             </a:extLst>
           </p:cNvPr>
@@ -6789,58 +8919,13 @@
           <p:nvPr/>
         </p:nvSpPr>
         <p:spPr>
-          <a:xfrm>
-            <a:off x="990650" y="5002568"/>
-            <a:ext cx="1477969" cy="123111"/>
+          <a:xfrm rot="2228532">
+            <a:off x="4572000" y="2355726"/>
+            <a:ext cx="514874" cy="864096"/>
           </a:xfrm>
-          <a:prstGeom prst="rect">
+          <a:prstGeom prst="lightningBolt">
             <a:avLst/>
           </a:prstGeom>
-        </p:spPr>
-        <p:txBody>
-          <a:bodyPr wrap="none" lIns="0" tIns="0" rIns="0" bIns="0">
-            <a:spAutoFit/>
-          </a:bodyPr>
-          <a:lstStyle/>
-          <a:p>
-            <a:r>
-              <a:rPr lang="de-CH" sz="800" dirty="0">
-                <a:effectLst/>
-              </a:rPr>
-              <a:t>AUTOREN (JAHRGANG) TITEL</a:t>
-            </a:r>
-            <a:endParaRPr lang="de-CH" sz="800" dirty="0"/>
-          </a:p>
-        </p:txBody>
-      </p:sp>
-      <p:sp>
-        <p:nvSpPr>
-          <p:cNvPr id="8" name="Rechteck 7">
-            <a:extLst>
-              <a:ext uri="{FF2B5EF4-FFF2-40B4-BE49-F238E27FC236}">
-                <a16:creationId xmlns:a16="http://schemas.microsoft.com/office/drawing/2014/main" id="{815930E4-516F-459D-A5FC-E659734B432A}"/>
-              </a:ext>
-            </a:extLst>
-          </p:cNvPr>
-          <p:cNvSpPr/>
-          <p:nvPr/>
-        </p:nvSpPr>
-        <p:spPr>
-          <a:xfrm>
-            <a:off x="5858618" y="1240929"/>
-            <a:ext cx="3033861" cy="3721596"/>
-          </a:xfrm>
-          <a:prstGeom prst="rect">
-            <a:avLst/>
-          </a:prstGeom>
-          <a:solidFill>
-            <a:schemeClr val="bg1"/>
-          </a:solidFill>
-          <a:ln>
-            <a:solidFill>
-              <a:schemeClr val="tx1"/>
-            </a:solidFill>
-          </a:ln>
         </p:spPr>
         <p:style>
           <a:lnRef idx="2">
@@ -6863,43 +8948,14 @@
           <a:lstStyle/>
           <a:p>
             <a:pPr algn="ctr"/>
-            <a:r>
-              <a:rPr lang="de-CH" dirty="0">
-                <a:solidFill>
-                  <a:schemeClr val="tx1"/>
-                </a:solidFill>
-              </a:rPr>
-              <a:t>FOTO/</a:t>
-            </a:r>
-          </a:p>
-          <a:p>
-            <a:pPr algn="ctr"/>
-            <a:r>
-              <a:rPr lang="de-CH" dirty="0">
-                <a:solidFill>
-                  <a:schemeClr val="tx1"/>
-                </a:solidFill>
-              </a:rPr>
-              <a:t>GRAFIK/</a:t>
-            </a:r>
-          </a:p>
-          <a:p>
-            <a:pPr algn="ctr"/>
-            <a:r>
-              <a:rPr lang="de-CH" dirty="0">
-                <a:solidFill>
-                  <a:schemeClr val="tx1"/>
-                </a:solidFill>
-              </a:rPr>
-              <a:t>SCREENSHOT</a:t>
-            </a:r>
+            <a:endParaRPr lang="de-DE"/>
           </a:p>
         </p:txBody>
       </p:sp>
     </p:spTree>
     <p:extLst>
       <p:ext uri="{BB962C8B-B14F-4D97-AF65-F5344CB8AC3E}">
-        <p14:creationId xmlns:p14="http://schemas.microsoft.com/office/powerpoint/2010/main" val="2634507147"/>
+        <p14:creationId xmlns:p14="http://schemas.microsoft.com/office/powerpoint/2010/main" val="2474639680"/>
       </p:ext>
     </p:extLst>
   </p:cSld>
@@ -6928,13 +8984,7 @@
       </p:grpSpPr>
       <p:sp>
         <p:nvSpPr>
-          <p:cNvPr id="6" name="Titel 5">
-            <a:extLst>
-              <a:ext uri="{FF2B5EF4-FFF2-40B4-BE49-F238E27FC236}">
-                <a16:creationId xmlns:a16="http://schemas.microsoft.com/office/drawing/2014/main" id="{A8CC5B59-6DB9-4E72-92F8-A65984EF380D}"/>
-              </a:ext>
-            </a:extLst>
-          </p:cNvPr>
+          <p:cNvPr id="7" name="Titel 6"/>
           <p:cNvSpPr>
             <a:spLocks noGrp="1"/>
           </p:cNvSpPr>
@@ -6948,164 +8998,52 @@
           <a:lstStyle/>
           <a:p>
             <a:r>
-              <a:rPr lang="de-CH" dirty="0"/>
-              <a:t>PUBLIKATION B</a:t>
-            </a:r>
-          </a:p>
-        </p:txBody>
-      </p:sp>
-      <p:sp>
-        <p:nvSpPr>
-          <p:cNvPr id="7" name="Inhaltsplatzhalter 6">
+              <a:rPr lang="de-CH"/>
+              <a:t>Software Development: Security</a:t>
+            </a:r>
+          </a:p>
+        </p:txBody>
+      </p:sp>
+      <p:pic>
+        <p:nvPicPr>
+          <p:cNvPr id="3" name="Grafik 2">
             <a:extLst>
               <a:ext uri="{FF2B5EF4-FFF2-40B4-BE49-F238E27FC236}">
-                <a16:creationId xmlns:a16="http://schemas.microsoft.com/office/drawing/2014/main" id="{F1099394-CDAA-4FEE-93E2-C5CF2F5A1B51}"/>
+                <a16:creationId xmlns:a16="http://schemas.microsoft.com/office/drawing/2014/main" id="{D9E8EB2E-13BC-071E-3295-7175C3057702}"/>
               </a:ext>
             </a:extLst>
           </p:cNvPr>
-          <p:cNvSpPr>
-            <a:spLocks noGrp="1"/>
-          </p:cNvSpPr>
-          <p:nvPr>
-            <p:ph sz="half" idx="22"/>
-          </p:nvPr>
-        </p:nvSpPr>
-        <p:spPr/>
-        <p:txBody>
-          <a:bodyPr/>
-          <a:lstStyle/>
-          <a:p>
-            <a:r>
-              <a:rPr lang="de-CH" dirty="0"/>
-              <a:t>WICHTIGSTE PUNKTE</a:t>
-            </a:r>
-          </a:p>
-        </p:txBody>
-      </p:sp>
-      <p:sp>
-        <p:nvSpPr>
-          <p:cNvPr id="5" name="Rechteck 4">
+          <p:cNvPicPr>
+            <a:picLocks noChangeAspect="1"/>
+          </p:cNvPicPr>
+          <p:nvPr/>
+        </p:nvPicPr>
+        <p:blipFill>
+          <a:blip r:embed="rId3">
             <a:extLst>
-              <a:ext uri="{FF2B5EF4-FFF2-40B4-BE49-F238E27FC236}">
-                <a16:creationId xmlns:a16="http://schemas.microsoft.com/office/drawing/2014/main" id="{4E32DB78-792F-45F1-9DFA-EC87A5399669}"/>
+              <a:ext uri="{28A0092B-C50C-407E-A947-70E740481C1C}">
+                <a14:useLocalDpi xmlns:a14="http://schemas.microsoft.com/office/drawing/2010/main" val="0"/>
               </a:ext>
             </a:extLst>
-          </p:cNvPr>
-          <p:cNvSpPr/>
-          <p:nvPr/>
-        </p:nvSpPr>
+          </a:blip>
+          <a:stretch>
+            <a:fillRect/>
+          </a:stretch>
+        </p:blipFill>
         <p:spPr>
           <a:xfrm>
-            <a:off x="990650" y="5002568"/>
-            <a:ext cx="1477969" cy="123111"/>
+            <a:off x="685800" y="1923678"/>
+            <a:ext cx="7772400" cy="2664580"/>
           </a:xfrm>
           <a:prstGeom prst="rect">
             <a:avLst/>
           </a:prstGeom>
         </p:spPr>
-        <p:txBody>
-          <a:bodyPr wrap="none" lIns="0" tIns="0" rIns="0" bIns="0">
-            <a:spAutoFit/>
-          </a:bodyPr>
-          <a:lstStyle/>
-          <a:p>
-            <a:r>
-              <a:rPr lang="de-CH" sz="800" dirty="0">
-                <a:effectLst/>
-              </a:rPr>
-              <a:t>AUTOREN (JAHRGANG) TITEL</a:t>
-            </a:r>
-            <a:endParaRPr lang="de-CH" sz="800" dirty="0"/>
-          </a:p>
-        </p:txBody>
-      </p:sp>
-      <p:sp>
-        <p:nvSpPr>
-          <p:cNvPr id="2" name="Rechteck 1">
-            <a:extLst>
-              <a:ext uri="{FF2B5EF4-FFF2-40B4-BE49-F238E27FC236}">
-                <a16:creationId xmlns:a16="http://schemas.microsoft.com/office/drawing/2014/main" id="{5E8A9F3C-132E-49B2-B709-DF28F68CC93C}"/>
-              </a:ext>
-            </a:extLst>
-          </p:cNvPr>
-          <p:cNvSpPr/>
-          <p:nvPr/>
-        </p:nvSpPr>
-        <p:spPr>
-          <a:xfrm>
-            <a:off x="5858618" y="1240929"/>
-            <a:ext cx="3033861" cy="3721596"/>
-          </a:xfrm>
-          <a:prstGeom prst="rect">
-            <a:avLst/>
-          </a:prstGeom>
-          <a:solidFill>
-            <a:schemeClr val="bg1"/>
-          </a:solidFill>
-          <a:ln>
-            <a:solidFill>
-              <a:schemeClr val="tx1"/>
-            </a:solidFill>
-          </a:ln>
-        </p:spPr>
-        <p:style>
-          <a:lnRef idx="2">
-            <a:schemeClr val="accent1">
-              <a:shade val="50000"/>
-            </a:schemeClr>
-          </a:lnRef>
-          <a:fillRef idx="1">
-            <a:schemeClr val="accent1"/>
-          </a:fillRef>
-          <a:effectRef idx="0">
-            <a:schemeClr val="accent1"/>
-          </a:effectRef>
-          <a:fontRef idx="minor">
-            <a:schemeClr val="lt1"/>
-          </a:fontRef>
-        </p:style>
-        <p:txBody>
-          <a:bodyPr rtlCol="0" anchor="ctr"/>
-          <a:lstStyle/>
-          <a:p>
-            <a:pPr algn="ctr"/>
-            <a:r>
-              <a:rPr lang="de-CH" dirty="0">
-                <a:solidFill>
-                  <a:schemeClr val="tx1"/>
-                </a:solidFill>
-              </a:rPr>
-              <a:t>FOTO/</a:t>
-            </a:r>
-          </a:p>
-          <a:p>
-            <a:pPr algn="ctr"/>
-            <a:r>
-              <a:rPr lang="de-CH" dirty="0">
-                <a:solidFill>
-                  <a:schemeClr val="tx1"/>
-                </a:solidFill>
-              </a:rPr>
-              <a:t>GRAFIK/</a:t>
-            </a:r>
-          </a:p>
-          <a:p>
-            <a:pPr algn="ctr"/>
-            <a:r>
-              <a:rPr lang="de-CH" dirty="0">
-                <a:solidFill>
-                  <a:schemeClr val="tx1"/>
-                </a:solidFill>
-              </a:rPr>
-              <a:t>SCREENSHOT</a:t>
-            </a:r>
-          </a:p>
-        </p:txBody>
-      </p:sp>
+      </p:pic>
     </p:spTree>
     <p:extLst>
       <p:ext uri="{BB962C8B-B14F-4D97-AF65-F5344CB8AC3E}">
-        <p14:creationId xmlns:p14="http://schemas.microsoft.com/office/powerpoint/2010/main" val="551795453"/>
+        <p14:creationId xmlns:p14="http://schemas.microsoft.com/office/powerpoint/2010/main" val="3053589948"/>
       </p:ext>
     </p:extLst>
   </p:cSld>
@@ -7148,15 +9086,33 @@
             <p:ph type="title"/>
           </p:nvPr>
         </p:nvSpPr>
-        <p:spPr/>
+        <p:spPr>
+          <a:xfrm>
+            <a:off x="540000" y="676800"/>
+            <a:ext cx="7020000" cy="366126"/>
+          </a:xfrm>
+        </p:spPr>
         <p:txBody>
           <a:bodyPr/>
           <a:lstStyle/>
           <a:p>
             <a:r>
-              <a:rPr lang="de-CH" dirty="0"/>
-              <a:t>PUBLIKATION C</a:t>
-            </a:r>
+              <a:rPr lang="de-CH" sz="2000"/>
+              <a:t>Software </a:t>
+            </a:r>
+            <a:r>
+              <a:rPr lang="de-CH" sz="2000" err="1"/>
+              <a:t>security</a:t>
+            </a:r>
+            <a:r>
+              <a:rPr lang="de-CH" sz="2000"/>
+              <a:t> in open source </a:t>
+            </a:r>
+            <a:r>
+              <a:rPr lang="de-CH" sz="2000" err="1"/>
+              <a:t>development</a:t>
+            </a:r>
+            <a:endParaRPr lang="de-CH" sz="2000"/>
           </a:p>
         </p:txBody>
       </p:sp>
@@ -7176,15 +9132,107 @@
             <p:ph sz="half" idx="22"/>
           </p:nvPr>
         </p:nvSpPr>
-        <p:spPr/>
+        <p:spPr>
+          <a:xfrm>
+            <a:off x="540000" y="1491629"/>
+            <a:ext cx="5040112" cy="3510939"/>
+          </a:xfrm>
+        </p:spPr>
         <p:txBody>
           <a:bodyPr/>
           <a:lstStyle/>
           <a:p>
             <a:r>
               <a:rPr lang="de-CH" dirty="0"/>
-              <a:t>WICHTIGSTE PUNKTE</a:t>
-            </a:r>
+              <a:t>Review </a:t>
+            </a:r>
+            <a:r>
+              <a:rPr lang="de-CH" dirty="0" err="1"/>
+              <a:t>of</a:t>
+            </a:r>
+            <a:r>
+              <a:rPr lang="de-CH" dirty="0"/>
+              <a:t> 42 </a:t>
+            </a:r>
+            <a:r>
+              <a:rPr lang="de-CH" dirty="0" err="1"/>
+              <a:t>papers</a:t>
+            </a:r>
+            <a:r>
+              <a:rPr lang="de-CH" dirty="0"/>
+              <a:t> </a:t>
+            </a:r>
+            <a:r>
+              <a:rPr lang="de-CH" dirty="0" err="1"/>
+              <a:t>with</a:t>
+            </a:r>
+            <a:r>
+              <a:rPr lang="de-CH" dirty="0"/>
+              <a:t> </a:t>
+            </a:r>
+            <a:r>
+              <a:rPr lang="de-CH" dirty="0" err="1"/>
+              <a:t>regard</a:t>
+            </a:r>
+            <a:r>
+              <a:rPr lang="de-CH" dirty="0"/>
+              <a:t> </a:t>
+            </a:r>
+            <a:r>
+              <a:rPr lang="de-CH" dirty="0" err="1"/>
+              <a:t>to</a:t>
+            </a:r>
+            <a:endParaRPr lang="de-CH" dirty="0"/>
+          </a:p>
+          <a:p>
+            <a:r>
+              <a:rPr lang="de-CH" dirty="0"/>
+              <a:t>Security </a:t>
+            </a:r>
+            <a:r>
+              <a:rPr lang="de-CH" dirty="0" err="1"/>
+              <a:t>areas</a:t>
+            </a:r>
+            <a:r>
+              <a:rPr lang="de-CH" dirty="0"/>
+              <a:t> </a:t>
+            </a:r>
+            <a:r>
+              <a:rPr lang="de-CH" dirty="0" err="1"/>
+              <a:t>of</a:t>
+            </a:r>
+            <a:r>
+              <a:rPr lang="de-CH" dirty="0"/>
+              <a:t> </a:t>
+            </a:r>
+            <a:r>
+              <a:rPr lang="de-CH" dirty="0" err="1"/>
+              <a:t>the</a:t>
+            </a:r>
+            <a:r>
+              <a:rPr lang="de-CH" dirty="0"/>
+              <a:t> </a:t>
+            </a:r>
+            <a:r>
+              <a:rPr lang="de-CH" dirty="0" err="1"/>
+              <a:t>selected</a:t>
+            </a:r>
+            <a:r>
+              <a:rPr lang="de-CH" dirty="0"/>
+              <a:t> </a:t>
+            </a:r>
+            <a:r>
+              <a:rPr lang="de-CH" dirty="0" err="1"/>
+              <a:t>studies</a:t>
+            </a:r>
+            <a:endParaRPr lang="de-CH" sz="1400" dirty="0"/>
+          </a:p>
+          <a:p>
+            <a:pPr lvl="1"/>
+            <a:endParaRPr lang="de-CH" dirty="0"/>
+          </a:p>
+          <a:p>
+            <a:endParaRPr lang="de-CH" dirty="0"/>
           </a:p>
         </p:txBody>
       </p:sp>
@@ -7202,15 +9250,15 @@
         </p:nvSpPr>
         <p:spPr>
           <a:xfrm>
-            <a:off x="990650" y="5002568"/>
-            <a:ext cx="1477969" cy="123111"/>
+            <a:off x="990650" y="5002569"/>
+            <a:ext cx="5957614" cy="123111"/>
           </a:xfrm>
           <a:prstGeom prst="rect">
             <a:avLst/>
           </a:prstGeom>
         </p:spPr>
         <p:txBody>
-          <a:bodyPr wrap="none" lIns="0" tIns="0" rIns="0" bIns="0">
+          <a:bodyPr wrap="square" lIns="0" tIns="0" rIns="0" bIns="0">
             <a:spAutoFit/>
           </a:bodyPr>
           <a:lstStyle/>
@@ -7219,99 +9267,59 @@
               <a:rPr lang="de-CH" sz="800" dirty="0">
                 <a:effectLst/>
               </a:rPr>
-              <a:t>AUTOREN (JAHRGANG) TITEL</a:t>
+              <a:t>Shao-Fang Wen (2017) </a:t>
+            </a:r>
+            <a:r>
+              <a:rPr lang="de-CH" sz="800" dirty="0">
+                <a:effectLst/>
+                <a:hlinkClick r:id="rId3"/>
+              </a:rPr>
+              <a:t>Software security in open source development: A systematic literature review</a:t>
             </a:r>
             <a:endParaRPr lang="de-CH" sz="800" dirty="0"/>
           </a:p>
         </p:txBody>
       </p:sp>
-      <p:sp>
-        <p:nvSpPr>
-          <p:cNvPr id="2" name="Rechteck 1">
+      <p:pic>
+        <p:nvPicPr>
+          <p:cNvPr id="3" name="Grafik 2">
             <a:extLst>
               <a:ext uri="{FF2B5EF4-FFF2-40B4-BE49-F238E27FC236}">
-                <a16:creationId xmlns:a16="http://schemas.microsoft.com/office/drawing/2014/main" id="{FFC15F33-AFCA-46A7-A133-D9FC2D11F598}"/>
+                <a16:creationId xmlns:a16="http://schemas.microsoft.com/office/drawing/2014/main" id="{A02A6BC4-3852-F94F-9FAC-C699D8A8F409}"/>
               </a:ext>
             </a:extLst>
           </p:cNvPr>
-          <p:cNvSpPr/>
+          <p:cNvPicPr>
+            <a:picLocks noChangeAspect="1"/>
+          </p:cNvPicPr>
           <p:nvPr/>
-        </p:nvSpPr>
+        </p:nvPicPr>
+        <p:blipFill>
+          <a:blip r:embed="rId4">
+            <a:extLst>
+              <a:ext uri="{28A0092B-C50C-407E-A947-70E740481C1C}">
+                <a14:useLocalDpi xmlns:a14="http://schemas.microsoft.com/office/drawing/2010/main" val="0"/>
+              </a:ext>
+            </a:extLst>
+          </a:blip>
+          <a:stretch>
+            <a:fillRect/>
+          </a:stretch>
+        </p:blipFill>
         <p:spPr>
           <a:xfrm>
-            <a:off x="5858618" y="1240929"/>
-            <a:ext cx="3033861" cy="3721596"/>
+            <a:off x="2962961" y="2355726"/>
+            <a:ext cx="3218078" cy="2198640"/>
           </a:xfrm>
           <a:prstGeom prst="rect">
             <a:avLst/>
           </a:prstGeom>
-          <a:solidFill>
-            <a:schemeClr val="bg1"/>
-          </a:solidFill>
-          <a:ln>
-            <a:solidFill>
-              <a:schemeClr val="tx1"/>
-            </a:solidFill>
-          </a:ln>
         </p:spPr>
-        <p:style>
-          <a:lnRef idx="2">
-            <a:schemeClr val="accent1">
-              <a:shade val="50000"/>
-            </a:schemeClr>
-          </a:lnRef>
-          <a:fillRef idx="1">
-            <a:schemeClr val="accent1"/>
-          </a:fillRef>
-          <a:effectRef idx="0">
-            <a:schemeClr val="accent1"/>
-          </a:effectRef>
-          <a:fontRef idx="minor">
-            <a:schemeClr val="lt1"/>
-          </a:fontRef>
-        </p:style>
-        <p:txBody>
-          <a:bodyPr rtlCol="0" anchor="ctr"/>
-          <a:lstStyle/>
-          <a:p>
-            <a:pPr algn="ctr"/>
-            <a:r>
-              <a:rPr lang="de-CH" dirty="0">
-                <a:solidFill>
-                  <a:schemeClr val="tx1"/>
-                </a:solidFill>
-              </a:rPr>
-              <a:t>FOTO/</a:t>
-            </a:r>
-          </a:p>
-          <a:p>
-            <a:pPr algn="ctr"/>
-            <a:r>
-              <a:rPr lang="de-CH" dirty="0">
-                <a:solidFill>
-                  <a:schemeClr val="tx1"/>
-                </a:solidFill>
-              </a:rPr>
-              <a:t>GRAFIK/</a:t>
-            </a:r>
-          </a:p>
-          <a:p>
-            <a:pPr algn="ctr"/>
-            <a:r>
-              <a:rPr lang="de-CH" dirty="0">
-                <a:solidFill>
-                  <a:schemeClr val="tx1"/>
-                </a:solidFill>
-              </a:rPr>
-              <a:t>SCREENSHOT</a:t>
-            </a:r>
-          </a:p>
-        </p:txBody>
-      </p:sp>
+      </p:pic>
     </p:spTree>
     <p:extLst>
       <p:ext uri="{BB962C8B-B14F-4D97-AF65-F5344CB8AC3E}">
-        <p14:creationId xmlns:p14="http://schemas.microsoft.com/office/powerpoint/2010/main" val="3206649159"/>
+        <p14:creationId xmlns:p14="http://schemas.microsoft.com/office/powerpoint/2010/main" val="2149013250"/>
       </p:ext>
     </p:extLst>
   </p:cSld>
@@ -7340,10 +9348,10 @@
       </p:grpSpPr>
       <p:sp>
         <p:nvSpPr>
-          <p:cNvPr id="4" name="Textplatzhalter 3">
+          <p:cNvPr id="6" name="Titel 5">
             <a:extLst>
               <a:ext uri="{FF2B5EF4-FFF2-40B4-BE49-F238E27FC236}">
-                <a16:creationId xmlns:a16="http://schemas.microsoft.com/office/drawing/2014/main" id="{6A537E73-A44C-4DB2-BBBA-D81519AAD1AF}"/>
+                <a16:creationId xmlns:a16="http://schemas.microsoft.com/office/drawing/2014/main" id="{A8CC5B59-6DB9-4E72-92F8-A65984EF380D}"/>
               </a:ext>
             </a:extLst>
           </p:cNvPr>
@@ -7351,91 +9359,269 @@
             <a:spLocks noGrp="1"/>
           </p:cNvSpPr>
           <p:nvPr>
-            <p:ph type="body" sz="quarter" idx="12"/>
+            <p:ph type="title"/>
           </p:nvPr>
         </p:nvSpPr>
-        <p:spPr/>
+        <p:spPr>
+          <a:xfrm>
+            <a:off x="540000" y="676800"/>
+            <a:ext cx="7020000" cy="366126"/>
+          </a:xfrm>
+        </p:spPr>
         <p:txBody>
           <a:bodyPr/>
           <a:lstStyle/>
           <a:p>
-            <a:pPr marL="457200" indent="-457200">
-              <a:lnSpc>
-                <a:spcPct val="100000"/>
-              </a:lnSpc>
-              <a:spcBef>
-                <a:spcPts val="600"/>
-              </a:spcBef>
-              <a:buFont typeface="+mj-lt"/>
-              <a:buAutoNum type="arabicPeriod"/>
-            </a:pPr>
-            <a:r>
-              <a:rPr lang="de-DE" dirty="0"/>
-              <a:t>WISSENSCHAFTLICHER TEIL</a:t>
-            </a:r>
-          </a:p>
-          <a:p>
-            <a:pPr marL="457200" indent="-457200">
-              <a:lnSpc>
-                <a:spcPct val="100000"/>
-              </a:lnSpc>
-              <a:spcBef>
-                <a:spcPts val="600"/>
-              </a:spcBef>
-              <a:buFont typeface="+mj-lt"/>
-              <a:buAutoNum type="arabicPeriod"/>
-            </a:pPr>
-            <a:r>
-              <a:rPr lang="de-DE" b="1" dirty="0"/>
-              <a:t>PRAKTISCHER TEIL</a:t>
-            </a:r>
-          </a:p>
-          <a:p>
-            <a:pPr marL="457200" indent="-457200">
-              <a:lnSpc>
-                <a:spcPct val="100000"/>
-              </a:lnSpc>
-              <a:spcBef>
-                <a:spcPts val="600"/>
-              </a:spcBef>
-              <a:buFont typeface="+mj-lt"/>
-              <a:buAutoNum type="arabicPeriod"/>
-            </a:pPr>
-            <a:r>
-              <a:rPr lang="de-DE" dirty="0"/>
-              <a:t>PERSÖNLICHES FAZIT</a:t>
-            </a:r>
-          </a:p>
-        </p:txBody>
-      </p:sp>
-      <p:sp>
-        <p:nvSpPr>
-          <p:cNvPr id="7" name="Titel 6"/>
+            <a:r>
+              <a:rPr lang="de-CH" sz="2000"/>
+              <a:t>Software </a:t>
+            </a:r>
+            <a:r>
+              <a:rPr lang="de-CH" sz="2000" err="1"/>
+              <a:t>security</a:t>
+            </a:r>
+            <a:r>
+              <a:rPr lang="de-CH" sz="2000"/>
+              <a:t> in open source </a:t>
+            </a:r>
+            <a:r>
+              <a:rPr lang="de-CH" sz="2000" err="1"/>
+              <a:t>development</a:t>
+            </a:r>
+            <a:endParaRPr lang="de-CH" sz="2000"/>
+          </a:p>
+        </p:txBody>
+      </p:sp>
+      <p:sp>
+        <p:nvSpPr>
+          <p:cNvPr id="7" name="Inhaltsplatzhalter 6">
+            <a:extLst>
+              <a:ext uri="{FF2B5EF4-FFF2-40B4-BE49-F238E27FC236}">
+                <a16:creationId xmlns:a16="http://schemas.microsoft.com/office/drawing/2014/main" id="{F1099394-CDAA-4FEE-93E2-C5CF2F5A1B51}"/>
+              </a:ext>
+            </a:extLst>
+          </p:cNvPr>
           <p:cNvSpPr>
             <a:spLocks noGrp="1"/>
           </p:cNvSpPr>
           <p:nvPr>
-            <p:ph type="title"/>
+            <p:ph sz="half" idx="22"/>
           </p:nvPr>
         </p:nvSpPr>
-        <p:spPr/>
+        <p:spPr>
+          <a:xfrm>
+            <a:off x="540000" y="1491629"/>
+            <a:ext cx="5040112" cy="3510939"/>
+          </a:xfrm>
+        </p:spPr>
         <p:txBody>
           <a:bodyPr/>
           <a:lstStyle/>
           <a:p>
             <a:r>
+              <a:rPr lang="de-CH" dirty="0" err="1"/>
+              <a:t>Verification</a:t>
+            </a:r>
+            <a:endParaRPr lang="de-CH" dirty="0"/>
+          </a:p>
+          <a:p>
+            <a:pPr lvl="1"/>
+            <a:r>
+              <a:rPr lang="de-CH" sz="1600" dirty="0" err="1"/>
+              <a:t>Vulnerabilities</a:t>
+            </a:r>
+            <a:r>
+              <a:rPr lang="de-CH" sz="1600" dirty="0"/>
+              <a:t> in design will manifest </a:t>
+            </a:r>
+            <a:r>
+              <a:rPr lang="de-CH" sz="1600" dirty="0" err="1"/>
+              <a:t>themselves</a:t>
+            </a:r>
+            <a:r>
+              <a:rPr lang="de-CH" sz="1600" dirty="0"/>
+              <a:t> in code review </a:t>
+            </a:r>
+            <a:r>
+              <a:rPr lang="de-CH" sz="1600" dirty="0" err="1"/>
+              <a:t>or</a:t>
+            </a:r>
+            <a:r>
+              <a:rPr lang="de-CH" sz="1600" dirty="0"/>
+              <a:t> </a:t>
+            </a:r>
+            <a:r>
+              <a:rPr lang="de-CH" sz="1600" dirty="0" err="1"/>
+              <a:t>security</a:t>
+            </a:r>
+            <a:r>
+              <a:rPr lang="de-CH" sz="1600" dirty="0"/>
+              <a:t> </a:t>
+            </a:r>
+            <a:r>
+              <a:rPr lang="de-CH" sz="1600" dirty="0" err="1"/>
+              <a:t>testing</a:t>
+            </a:r>
+            <a:r>
+              <a:rPr lang="de-CH" sz="1600" dirty="0"/>
+              <a:t> </a:t>
+            </a:r>
+            <a:r>
+              <a:rPr lang="de-CH" sz="1600" dirty="0" err="1"/>
+              <a:t>if</a:t>
+            </a:r>
+            <a:r>
+              <a:rPr lang="de-CH" sz="1600" dirty="0"/>
+              <a:t> not </a:t>
+            </a:r>
+            <a:r>
+              <a:rPr lang="de-CH" sz="1600" dirty="0" err="1"/>
+              <a:t>detected</a:t>
+            </a:r>
+            <a:r>
+              <a:rPr lang="de-CH" sz="1600" dirty="0"/>
+              <a:t> </a:t>
+            </a:r>
+            <a:r>
+              <a:rPr lang="de-CH" sz="1600" dirty="0" err="1"/>
+              <a:t>earlier</a:t>
+            </a:r>
+            <a:endParaRPr lang="de-CH" sz="1600" dirty="0"/>
+          </a:p>
+          <a:p>
+            <a:r>
               <a:rPr lang="de-CH" dirty="0"/>
-              <a:t>Agenda</a:t>
-            </a:r>
-          </a:p>
-        </p:txBody>
-      </p:sp>
-      <p:sp>
-        <p:nvSpPr>
-          <p:cNvPr id="2" name="Rechteck 1">
+              <a:t>Construction</a:t>
+            </a:r>
+          </a:p>
+          <a:p>
+            <a:pPr lvl="1"/>
+            <a:r>
+              <a:rPr lang="de-CH" sz="1600" dirty="0"/>
+              <a:t>Secure </a:t>
+            </a:r>
+            <a:r>
+              <a:rPr lang="de-CH" sz="1600" dirty="0" err="1"/>
+              <a:t>system</a:t>
+            </a:r>
+            <a:r>
+              <a:rPr lang="de-CH" sz="1600" dirty="0"/>
+              <a:t> design</a:t>
+            </a:r>
+          </a:p>
+          <a:p>
+            <a:r>
+              <a:rPr lang="de-CH" dirty="0" err="1"/>
+              <a:t>Deployment</a:t>
+            </a:r>
+            <a:endParaRPr lang="de-CH" dirty="0"/>
+          </a:p>
+          <a:p>
+            <a:pPr lvl="1"/>
+            <a:r>
+              <a:rPr lang="de-CH" sz="1600" dirty="0" err="1"/>
+              <a:t>OpenSource</a:t>
+            </a:r>
+            <a:r>
+              <a:rPr lang="de-CH" sz="1600" dirty="0"/>
+              <a:t> </a:t>
+            </a:r>
+            <a:r>
+              <a:rPr lang="de-CH" sz="1600" dirty="0" err="1"/>
+              <a:t>lacks</a:t>
+            </a:r>
+            <a:r>
+              <a:rPr lang="de-CH" sz="1600" dirty="0"/>
+              <a:t> </a:t>
+            </a:r>
+            <a:r>
+              <a:rPr lang="de-CH" sz="1600" dirty="0" err="1"/>
+              <a:t>corporate</a:t>
+            </a:r>
+            <a:r>
+              <a:rPr lang="de-CH" sz="1600" dirty="0"/>
+              <a:t> </a:t>
+            </a:r>
+            <a:r>
+              <a:rPr lang="de-CH" sz="1600" dirty="0" err="1"/>
+              <a:t>management</a:t>
+            </a:r>
+            <a:endParaRPr lang="de-CH" sz="1600" dirty="0"/>
+          </a:p>
+          <a:p>
+            <a:r>
+              <a:rPr lang="de-CH" dirty="0" err="1"/>
+              <a:t>Governance</a:t>
+            </a:r>
+            <a:endParaRPr lang="de-CH" dirty="0"/>
+          </a:p>
+          <a:p>
+            <a:pPr lvl="1"/>
+            <a:r>
+              <a:rPr lang="de-CH" sz="1600" dirty="0"/>
+              <a:t>In </a:t>
+            </a:r>
+            <a:r>
+              <a:rPr lang="de-CH" sz="1600" dirty="0" err="1"/>
+              <a:t>OpenSource</a:t>
+            </a:r>
+            <a:r>
+              <a:rPr lang="de-CH" sz="1600" dirty="0"/>
+              <a:t> lack </a:t>
+            </a:r>
+            <a:r>
+              <a:rPr lang="de-CH" sz="1600" dirty="0" err="1"/>
+              <a:t>of</a:t>
+            </a:r>
+            <a:r>
+              <a:rPr lang="de-CH" sz="1600" dirty="0"/>
+              <a:t> </a:t>
+            </a:r>
+            <a:r>
+              <a:rPr lang="de-CH" sz="1600" dirty="0" err="1"/>
+              <a:t>security</a:t>
+            </a:r>
+            <a:r>
+              <a:rPr lang="de-CH" sz="1600" dirty="0"/>
+              <a:t> </a:t>
+            </a:r>
+            <a:r>
+              <a:rPr lang="de-CH" sz="1600" dirty="0" err="1"/>
+              <a:t>knowledge</a:t>
+            </a:r>
+            <a:r>
+              <a:rPr lang="de-CH" sz="1600" dirty="0"/>
+              <a:t> </a:t>
+            </a:r>
+            <a:r>
+              <a:rPr lang="de-CH" sz="1600" dirty="0" err="1"/>
+              <a:t>is</a:t>
+            </a:r>
+            <a:r>
+              <a:rPr lang="de-CH" sz="1600" dirty="0"/>
+              <a:t> </a:t>
+            </a:r>
+            <a:r>
+              <a:rPr lang="de-CH" sz="1600" dirty="0" err="1"/>
+              <a:t>common</a:t>
+            </a:r>
+            <a:endParaRPr lang="de-CH" sz="1600" dirty="0"/>
+          </a:p>
+          <a:p>
+            <a:pPr lvl="1"/>
+            <a:endParaRPr lang="de-CH" dirty="0"/>
+          </a:p>
+          <a:p>
+            <a:endParaRPr lang="de-CH" dirty="0"/>
+          </a:p>
+        </p:txBody>
+      </p:sp>
+      <p:sp>
+        <p:nvSpPr>
+          <p:cNvPr id="5" name="Rechteck 4">
             <a:extLst>
               <a:ext uri="{FF2B5EF4-FFF2-40B4-BE49-F238E27FC236}">
-                <a16:creationId xmlns:a16="http://schemas.microsoft.com/office/drawing/2014/main" id="{B055F5FA-6CCE-450B-BDCE-C0686F28F6C9}"/>
+                <a16:creationId xmlns:a16="http://schemas.microsoft.com/office/drawing/2014/main" id="{4E32DB78-792F-45F1-9DFA-EC87A5399669}"/>
               </a:ext>
             </a:extLst>
           </p:cNvPr>
@@ -7444,79 +9630,79 @@
         </p:nvSpPr>
         <p:spPr>
           <a:xfrm>
-            <a:off x="6588224" y="2787774"/>
-            <a:ext cx="2232247" cy="1886719"/>
+            <a:off x="990650" y="5002569"/>
+            <a:ext cx="5957614" cy="123111"/>
           </a:xfrm>
           <a:prstGeom prst="rect">
             <a:avLst/>
           </a:prstGeom>
-          <a:solidFill>
-            <a:schemeClr val="bg1"/>
-          </a:solidFill>
-          <a:ln>
-            <a:solidFill>
-              <a:schemeClr val="tx1"/>
-            </a:solidFill>
-          </a:ln>
         </p:spPr>
-        <p:style>
-          <a:lnRef idx="2">
-            <a:schemeClr val="accent1">
-              <a:shade val="50000"/>
-            </a:schemeClr>
-          </a:lnRef>
-          <a:fillRef idx="1">
-            <a:schemeClr val="accent1"/>
-          </a:fillRef>
-          <a:effectRef idx="0">
-            <a:schemeClr val="accent1"/>
-          </a:effectRef>
-          <a:fontRef idx="minor">
-            <a:schemeClr val="lt1"/>
-          </a:fontRef>
-        </p:style>
-        <p:txBody>
-          <a:bodyPr rtlCol="0" anchor="ctr"/>
+        <p:txBody>
+          <a:bodyPr wrap="square" lIns="0" tIns="0" rIns="0" bIns="0">
+            <a:spAutoFit/>
+          </a:bodyPr>
           <a:lstStyle/>
           <a:p>
-            <a:pPr algn="ctr"/>
-            <a:r>
-              <a:rPr lang="de-CH" dirty="0">
-                <a:solidFill>
-                  <a:schemeClr val="tx1"/>
-                </a:solidFill>
+            <a:r>
+              <a:rPr lang="de-CH" sz="800" dirty="0">
+                <a:effectLst/>
               </a:rPr>
-              <a:t>THEMATISCH GRAFIK/</a:t>
-            </a:r>
-          </a:p>
-          <a:p>
-            <a:pPr algn="ctr"/>
-            <a:r>
-              <a:rPr lang="de-CH" dirty="0">
-                <a:solidFill>
-                  <a:schemeClr val="tx1"/>
-                </a:solidFill>
+              <a:t>Shao-Fang Wen (2017) </a:t>
+            </a:r>
+            <a:r>
+              <a:rPr lang="de-CH" sz="800" dirty="0">
+                <a:effectLst/>
+                <a:hlinkClick r:id="rId3"/>
               </a:rPr>
-              <a:t>ICON/</a:t>
-            </a:r>
-          </a:p>
-          <a:p>
-            <a:pPr algn="ctr"/>
-            <a:r>
-              <a:rPr lang="de-CH" dirty="0">
-                <a:solidFill>
-                  <a:schemeClr val="tx1"/>
-                </a:solidFill>
-              </a:rPr>
-              <a:t>SYMBOL</a:t>
-            </a:r>
-          </a:p>
-        </p:txBody>
-      </p:sp>
+              <a:t>Software security in open source development: A systematic literature review</a:t>
+            </a:r>
+            <a:endParaRPr lang="de-CH" sz="800" dirty="0"/>
+          </a:p>
+        </p:txBody>
+      </p:sp>
+      <p:pic>
+        <p:nvPicPr>
+          <p:cNvPr id="4" name="Grafik 3">
+            <a:extLst>
+              <a:ext uri="{FF2B5EF4-FFF2-40B4-BE49-F238E27FC236}">
+                <a16:creationId xmlns:a16="http://schemas.microsoft.com/office/drawing/2014/main" id="{5B7FB328-B4AA-7898-100B-D3F630751F6F}"/>
+              </a:ext>
+              <a:ext uri="{C183D7F6-B498-43B3-948B-1728B52AA6E4}">
+                <adec:decorative xmlns:adec="http://schemas.microsoft.com/office/drawing/2017/decorative" val="1"/>
+              </a:ext>
+            </a:extLst>
+          </p:cNvPr>
+          <p:cNvPicPr>
+            <a:picLocks noChangeAspect="1"/>
+          </p:cNvPicPr>
+          <p:nvPr/>
+        </p:nvPicPr>
+        <p:blipFill>
+          <a:blip r:embed="rId4">
+            <a:extLst>
+              <a:ext uri="{28A0092B-C50C-407E-A947-70E740481C1C}">
+                <a14:useLocalDpi xmlns:a14="http://schemas.microsoft.com/office/drawing/2010/main" val="0"/>
+              </a:ext>
+            </a:extLst>
+          </a:blip>
+          <a:stretch>
+            <a:fillRect/>
+          </a:stretch>
+        </p:blipFill>
+        <p:spPr>
+          <a:xfrm>
+            <a:off x="5776028" y="1517948"/>
+            <a:ext cx="3303016" cy="2493962"/>
+          </a:xfrm>
+          <a:prstGeom prst="rect">
+            <a:avLst/>
+          </a:prstGeom>
+        </p:spPr>
+      </p:pic>
     </p:spTree>
     <p:extLst>
       <p:ext uri="{BB962C8B-B14F-4D97-AF65-F5344CB8AC3E}">
-        <p14:creationId xmlns:p14="http://schemas.microsoft.com/office/powerpoint/2010/main" val="1110526854"/>
+        <p14:creationId xmlns:p14="http://schemas.microsoft.com/office/powerpoint/2010/main" val="1958246936"/>
       </p:ext>
     </p:extLst>
   </p:cSld>
@@ -7559,15 +9745,33 @@
             <p:ph type="title"/>
           </p:nvPr>
         </p:nvSpPr>
-        <p:spPr/>
+        <p:spPr>
+          <a:xfrm>
+            <a:off x="540000" y="676800"/>
+            <a:ext cx="7020000" cy="366126"/>
+          </a:xfrm>
+        </p:spPr>
         <p:txBody>
           <a:bodyPr/>
           <a:lstStyle/>
           <a:p>
             <a:r>
-              <a:rPr lang="de-CH" dirty="0"/>
-              <a:t>BEISPIEL A</a:t>
-            </a:r>
+              <a:rPr lang="de-CH" sz="2000"/>
+              <a:t>Software </a:t>
+            </a:r>
+            <a:r>
+              <a:rPr lang="de-CH" sz="2000" err="1"/>
+              <a:t>security</a:t>
+            </a:r>
+            <a:r>
+              <a:rPr lang="de-CH" sz="2000"/>
+              <a:t> in open source </a:t>
+            </a:r>
+            <a:r>
+              <a:rPr lang="de-CH" sz="2000" err="1"/>
+              <a:t>development</a:t>
+            </a:r>
+            <a:endParaRPr lang="de-CH" sz="2000"/>
           </a:p>
         </p:txBody>
       </p:sp>
@@ -7587,15 +9791,191 @@
             <p:ph sz="half" idx="22"/>
           </p:nvPr>
         </p:nvSpPr>
-        <p:spPr/>
+        <p:spPr>
+          <a:xfrm>
+            <a:off x="540000" y="1491629"/>
+            <a:ext cx="5040112" cy="3510939"/>
+          </a:xfrm>
+        </p:spPr>
         <p:txBody>
           <a:bodyPr/>
           <a:lstStyle/>
           <a:p>
             <a:r>
               <a:rPr lang="de-CH" dirty="0"/>
-              <a:t>WICHTIGSTE PUNKTE</a:t>
-            </a:r>
+              <a:t>Construction &amp; </a:t>
+            </a:r>
+            <a:r>
+              <a:rPr lang="de-CH" dirty="0" err="1"/>
+              <a:t>verification</a:t>
+            </a:r>
+            <a:r>
+              <a:rPr lang="de-CH" dirty="0"/>
+              <a:t> </a:t>
+            </a:r>
+            <a:r>
+              <a:rPr lang="de-CH" dirty="0" err="1"/>
+              <a:t>are</a:t>
+            </a:r>
+            <a:r>
+              <a:rPr lang="de-CH" dirty="0"/>
+              <a:t> </a:t>
+            </a:r>
+            <a:r>
+              <a:rPr lang="de-CH" dirty="0" err="1"/>
+              <a:t>followed</a:t>
+            </a:r>
+            <a:r>
+              <a:rPr lang="de-CH" dirty="0"/>
+              <a:t> </a:t>
+            </a:r>
+            <a:r>
+              <a:rPr lang="de-CH" dirty="0" err="1"/>
+              <a:t>with</a:t>
+            </a:r>
+            <a:r>
+              <a:rPr lang="de-CH" dirty="0"/>
+              <a:t> </a:t>
+            </a:r>
+            <a:r>
+              <a:rPr lang="de-CH" dirty="0" err="1"/>
+              <a:t>more</a:t>
+            </a:r>
+            <a:r>
+              <a:rPr lang="de-CH" dirty="0"/>
+              <a:t> </a:t>
+            </a:r>
+            <a:r>
+              <a:rPr lang="de-CH" dirty="0" err="1"/>
+              <a:t>interest</a:t>
+            </a:r>
+            <a:r>
+              <a:rPr lang="de-CH" dirty="0"/>
+              <a:t> </a:t>
+            </a:r>
+            <a:r>
+              <a:rPr lang="de-CH" dirty="0" err="1"/>
+              <a:t>than</a:t>
+            </a:r>
+            <a:r>
+              <a:rPr lang="de-CH" dirty="0"/>
+              <a:t> </a:t>
+            </a:r>
+            <a:r>
+              <a:rPr lang="de-CH" dirty="0" err="1"/>
+              <a:t>other</a:t>
+            </a:r>
+            <a:r>
+              <a:rPr lang="de-CH" dirty="0"/>
+              <a:t> </a:t>
+            </a:r>
+            <a:r>
+              <a:rPr lang="de-CH" dirty="0" err="1"/>
+              <a:t>areas</a:t>
+            </a:r>
+            <a:endParaRPr lang="de-CH" dirty="0"/>
+          </a:p>
+          <a:p>
+            <a:r>
+              <a:rPr lang="de-CH" dirty="0"/>
+              <a:t>Studies </a:t>
+            </a:r>
+            <a:r>
+              <a:rPr lang="de-CH" dirty="0" err="1"/>
+              <a:t>which</a:t>
+            </a:r>
+            <a:r>
+              <a:rPr lang="de-CH" dirty="0"/>
+              <a:t> </a:t>
+            </a:r>
+            <a:r>
+              <a:rPr lang="de-CH" dirty="0" err="1"/>
+              <a:t>focus</a:t>
+            </a:r>
+            <a:r>
+              <a:rPr lang="de-CH" dirty="0"/>
+              <a:t> on </a:t>
+            </a:r>
+            <a:r>
+              <a:rPr lang="de-CH" dirty="0" err="1"/>
+              <a:t>developement</a:t>
+            </a:r>
+            <a:r>
+              <a:rPr lang="de-CH" dirty="0"/>
+              <a:t> </a:t>
+            </a:r>
+            <a:r>
+              <a:rPr lang="de-CH" dirty="0" err="1"/>
+              <a:t>are</a:t>
+            </a:r>
+            <a:r>
+              <a:rPr lang="de-CH" dirty="0"/>
+              <a:t> </a:t>
+            </a:r>
+            <a:r>
+              <a:rPr lang="de-CH" dirty="0" err="1"/>
+              <a:t>technically</a:t>
+            </a:r>
+            <a:r>
+              <a:rPr lang="de-CH" dirty="0"/>
+              <a:t> </a:t>
+            </a:r>
+            <a:r>
+              <a:rPr lang="de-CH" dirty="0" err="1"/>
+              <a:t>driven</a:t>
+            </a:r>
+            <a:r>
+              <a:rPr lang="de-CH" dirty="0"/>
+              <a:t> and social </a:t>
+            </a:r>
+            <a:r>
+              <a:rPr lang="de-CH" dirty="0" err="1"/>
+              <a:t>aspects</a:t>
+            </a:r>
+            <a:r>
+              <a:rPr lang="de-CH" dirty="0"/>
+              <a:t> </a:t>
+            </a:r>
+            <a:r>
+              <a:rPr lang="de-CH" dirty="0" err="1"/>
+              <a:t>neglected</a:t>
+            </a:r>
+            <a:endParaRPr lang="de-CH" dirty="0"/>
+          </a:p>
+          <a:p>
+            <a:r>
+              <a:rPr lang="de-CH" dirty="0"/>
+              <a:t>Lack </a:t>
+            </a:r>
+            <a:r>
+              <a:rPr lang="de-CH" dirty="0" err="1"/>
+              <a:t>of</a:t>
+            </a:r>
+            <a:r>
+              <a:rPr lang="de-CH" dirty="0"/>
+              <a:t> </a:t>
+            </a:r>
+            <a:r>
+              <a:rPr lang="de-CH" dirty="0" err="1"/>
+              <a:t>knowledge</a:t>
+            </a:r>
+            <a:r>
+              <a:rPr lang="de-CH" dirty="0"/>
+              <a:t> </a:t>
+            </a:r>
+            <a:r>
+              <a:rPr lang="de-CH" dirty="0" err="1"/>
+              <a:t>management</a:t>
+            </a:r>
+            <a:r>
+              <a:rPr lang="de-CH" dirty="0"/>
+              <a:t> in OSS </a:t>
+            </a:r>
+            <a:r>
+              <a:rPr lang="de-CH" dirty="0" err="1"/>
+              <a:t>security</a:t>
+            </a:r>
+            <a:endParaRPr lang="de-CH" dirty="0"/>
           </a:p>
         </p:txBody>
       </p:sp>
@@ -7613,15 +9993,15 @@
         </p:nvSpPr>
         <p:spPr>
           <a:xfrm>
-            <a:off x="990650" y="5002568"/>
-            <a:ext cx="665247" cy="123111"/>
+            <a:off x="990650" y="5002569"/>
+            <a:ext cx="5957614" cy="123111"/>
           </a:xfrm>
           <a:prstGeom prst="rect">
             <a:avLst/>
           </a:prstGeom>
         </p:spPr>
         <p:txBody>
-          <a:bodyPr wrap="none" lIns="0" tIns="0" rIns="0" bIns="0">
+          <a:bodyPr wrap="square" lIns="0" tIns="0" rIns="0" bIns="0">
             <a:spAutoFit/>
           </a:bodyPr>
           <a:lstStyle/>
@@ -7630,99 +10010,23 @@
               <a:rPr lang="de-CH" sz="800" dirty="0">
                 <a:effectLst/>
               </a:rPr>
-              <a:t>QUELLE/LINK</a:t>
+              <a:t>Shao-Fang Wen (2017) </a:t>
+            </a:r>
+            <a:r>
+              <a:rPr lang="de-CH" sz="800" dirty="0">
+                <a:effectLst/>
+                <a:hlinkClick r:id="rId3"/>
+              </a:rPr>
+              <a:t>Software security in open source development: A systematic literature review</a:t>
             </a:r>
             <a:endParaRPr lang="de-CH" sz="800" dirty="0"/>
-          </a:p>
-        </p:txBody>
-      </p:sp>
-      <p:sp>
-        <p:nvSpPr>
-          <p:cNvPr id="2" name="Rechteck 1">
-            <a:extLst>
-              <a:ext uri="{FF2B5EF4-FFF2-40B4-BE49-F238E27FC236}">
-                <a16:creationId xmlns:a16="http://schemas.microsoft.com/office/drawing/2014/main" id="{ED5E5298-F57F-458C-9A00-B4EA5D954F54}"/>
-              </a:ext>
-            </a:extLst>
-          </p:cNvPr>
-          <p:cNvSpPr/>
-          <p:nvPr/>
-        </p:nvSpPr>
-        <p:spPr>
-          <a:xfrm>
-            <a:off x="5858618" y="1240929"/>
-            <a:ext cx="3033861" cy="3721596"/>
-          </a:xfrm>
-          <a:prstGeom prst="rect">
-            <a:avLst/>
-          </a:prstGeom>
-          <a:solidFill>
-            <a:schemeClr val="bg1"/>
-          </a:solidFill>
-          <a:ln>
-            <a:solidFill>
-              <a:schemeClr val="tx1"/>
-            </a:solidFill>
-          </a:ln>
-        </p:spPr>
-        <p:style>
-          <a:lnRef idx="2">
-            <a:schemeClr val="accent1">
-              <a:shade val="50000"/>
-            </a:schemeClr>
-          </a:lnRef>
-          <a:fillRef idx="1">
-            <a:schemeClr val="accent1"/>
-          </a:fillRef>
-          <a:effectRef idx="0">
-            <a:schemeClr val="accent1"/>
-          </a:effectRef>
-          <a:fontRef idx="minor">
-            <a:schemeClr val="lt1"/>
-          </a:fontRef>
-        </p:style>
-        <p:txBody>
-          <a:bodyPr rtlCol="0" anchor="ctr"/>
-          <a:lstStyle/>
-          <a:p>
-            <a:pPr algn="ctr"/>
-            <a:r>
-              <a:rPr lang="de-CH" dirty="0">
-                <a:solidFill>
-                  <a:schemeClr val="tx1"/>
-                </a:solidFill>
-              </a:rPr>
-              <a:t>FOTO/</a:t>
-            </a:r>
-          </a:p>
-          <a:p>
-            <a:pPr algn="ctr"/>
-            <a:r>
-              <a:rPr lang="de-CH" dirty="0">
-                <a:solidFill>
-                  <a:schemeClr val="tx1"/>
-                </a:solidFill>
-              </a:rPr>
-              <a:t>GRAFIK/</a:t>
-            </a:r>
-          </a:p>
-          <a:p>
-            <a:pPr algn="ctr"/>
-            <a:r>
-              <a:rPr lang="de-CH" dirty="0">
-                <a:solidFill>
-                  <a:schemeClr val="tx1"/>
-                </a:solidFill>
-              </a:rPr>
-              <a:t>SCREENSHOT</a:t>
-            </a:r>
           </a:p>
         </p:txBody>
       </p:sp>
     </p:spTree>
     <p:extLst>
       <p:ext uri="{BB962C8B-B14F-4D97-AF65-F5344CB8AC3E}">
-        <p14:creationId xmlns:p14="http://schemas.microsoft.com/office/powerpoint/2010/main" val="1159027612"/>
+        <p14:creationId xmlns:p14="http://schemas.microsoft.com/office/powerpoint/2010/main" val="3497837985"/>
       </p:ext>
     </p:extLst>
   </p:cSld>
@@ -7751,10 +10055,10 @@
       </p:grpSpPr>
       <p:sp>
         <p:nvSpPr>
-          <p:cNvPr id="6" name="Titel 5">
+          <p:cNvPr id="4" name="Textplatzhalter 3">
             <a:extLst>
               <a:ext uri="{FF2B5EF4-FFF2-40B4-BE49-F238E27FC236}">
-                <a16:creationId xmlns:a16="http://schemas.microsoft.com/office/drawing/2014/main" id="{A8CC5B59-6DB9-4E72-92F8-A65984EF380D}"/>
+                <a16:creationId xmlns:a16="http://schemas.microsoft.com/office/drawing/2014/main" id="{6A537E73-A44C-4DB2-BBBA-D81519AAD1AF}"/>
               </a:ext>
             </a:extLst>
           </p:cNvPr>
@@ -7762,7 +10066,7 @@
             <a:spLocks noGrp="1"/>
           </p:cNvSpPr>
           <p:nvPr>
-            <p:ph type="title"/>
+            <p:ph type="body" sz="quarter" idx="12"/>
           </p:nvPr>
         </p:nvSpPr>
         <p:spPr/>
@@ -7770,27 +10074,63 @@
           <a:bodyPr/>
           <a:lstStyle/>
           <a:p>
-            <a:r>
-              <a:rPr lang="de-CH" dirty="0"/>
-              <a:t>BEISPIEL B</a:t>
-            </a:r>
-          </a:p>
-        </p:txBody>
-      </p:sp>
-      <p:sp>
-        <p:nvSpPr>
-          <p:cNvPr id="7" name="Inhaltsplatzhalter 6">
-            <a:extLst>
-              <a:ext uri="{FF2B5EF4-FFF2-40B4-BE49-F238E27FC236}">
-                <a16:creationId xmlns:a16="http://schemas.microsoft.com/office/drawing/2014/main" id="{F1099394-CDAA-4FEE-93E2-C5CF2F5A1B51}"/>
-              </a:ext>
-            </a:extLst>
-          </p:cNvPr>
+            <a:pPr marL="457200" indent="-457200">
+              <a:lnSpc>
+                <a:spcPct val="100000"/>
+              </a:lnSpc>
+              <a:spcBef>
+                <a:spcPts val="600"/>
+              </a:spcBef>
+              <a:buFont typeface="+mj-lt"/>
+              <a:buAutoNum type="arabicPeriod"/>
+            </a:pPr>
+            <a:r>
+              <a:rPr lang="de-DE"/>
+              <a:t>WISSENSCHAFTLICHER TEIL</a:t>
+            </a:r>
+          </a:p>
+          <a:p>
+            <a:pPr marL="457200" indent="-457200">
+              <a:lnSpc>
+                <a:spcPct val="100000"/>
+              </a:lnSpc>
+              <a:spcBef>
+                <a:spcPts val="600"/>
+              </a:spcBef>
+              <a:buFont typeface="+mj-lt"/>
+              <a:buAutoNum type="arabicPeriod"/>
+            </a:pPr>
+            <a:r>
+              <a:rPr lang="de-DE" b="1"/>
+              <a:t>PRAKTISCHER TEIL</a:t>
+            </a:r>
+          </a:p>
+          <a:p>
+            <a:pPr marL="457200" indent="-457200">
+              <a:lnSpc>
+                <a:spcPct val="100000"/>
+              </a:lnSpc>
+              <a:spcBef>
+                <a:spcPts val="600"/>
+              </a:spcBef>
+              <a:buFont typeface="+mj-lt"/>
+              <a:buAutoNum type="arabicPeriod"/>
+            </a:pPr>
+            <a:r>
+              <a:rPr lang="de-DE"/>
+              <a:t>PERSÖNLICHES FAZIT</a:t>
+            </a:r>
+          </a:p>
+        </p:txBody>
+      </p:sp>
+      <p:sp>
+        <p:nvSpPr>
+          <p:cNvPr id="7" name="Titel 6"/>
           <p:cNvSpPr>
             <a:spLocks noGrp="1"/>
           </p:cNvSpPr>
           <p:nvPr>
-            <p:ph sz="half" idx="22"/>
+            <p:ph type="title"/>
           </p:nvPr>
         </p:nvSpPr>
         <p:spPr/>
@@ -7799,136 +10139,63 @@
           <a:lstStyle/>
           <a:p>
             <a:r>
-              <a:rPr lang="de-CH" dirty="0"/>
-              <a:t>WICHTIGSTE PUNKTE</a:t>
-            </a:r>
-          </a:p>
-        </p:txBody>
-      </p:sp>
-      <p:sp>
-        <p:nvSpPr>
-          <p:cNvPr id="5" name="Rechteck 4">
+              <a:rPr lang="de-CH"/>
+              <a:t>Agenda</a:t>
+            </a:r>
+          </a:p>
+        </p:txBody>
+      </p:sp>
+      <p:pic>
+        <p:nvPicPr>
+          <p:cNvPr id="3" name="Picture 2">
             <a:extLst>
               <a:ext uri="{FF2B5EF4-FFF2-40B4-BE49-F238E27FC236}">
-                <a16:creationId xmlns:a16="http://schemas.microsoft.com/office/drawing/2014/main" id="{4E32DB78-792F-45F1-9DFA-EC87A5399669}"/>
+                <a16:creationId xmlns:a16="http://schemas.microsoft.com/office/drawing/2014/main" id="{49147D19-0123-1C49-D786-5D58A27B77A7}"/>
               </a:ext>
             </a:extLst>
           </p:cNvPr>
-          <p:cNvSpPr/>
+          <p:cNvPicPr>
+            <a:picLocks noChangeAspect="1" noChangeArrowheads="1"/>
+          </p:cNvPicPr>
           <p:nvPr/>
-        </p:nvSpPr>
-        <p:spPr>
+        </p:nvPicPr>
+        <p:blipFill>
+          <a:blip r:embed="rId3">
+            <a:extLst>
+              <a:ext uri="{28A0092B-C50C-407E-A947-70E740481C1C}">
+                <a14:useLocalDpi xmlns:a14="http://schemas.microsoft.com/office/drawing/2010/main" val="0"/>
+              </a:ext>
+            </a:extLst>
+          </a:blip>
+          <a:srcRect/>
+          <a:stretch>
+            <a:fillRect/>
+          </a:stretch>
+        </p:blipFill>
+        <p:spPr bwMode="auto">
           <a:xfrm>
-            <a:off x="990650" y="5002568"/>
-            <a:ext cx="665247" cy="123111"/>
+            <a:off x="5580112" y="2298986"/>
+            <a:ext cx="3290209" cy="2471014"/>
           </a:xfrm>
           <a:prstGeom prst="rect">
             <a:avLst/>
           </a:prstGeom>
+          <a:noFill/>
+          <a:extLst>
+            <a:ext uri="{909E8E84-426E-40DD-AFC4-6F175D3DCCD1}">
+              <a14:hiddenFill xmlns:a14="http://schemas.microsoft.com/office/drawing/2010/main">
+                <a:solidFill>
+                  <a:srgbClr val="FFFFFF"/>
+                </a:solidFill>
+              </a14:hiddenFill>
+            </a:ext>
+          </a:extLst>
         </p:spPr>
-        <p:txBody>
-          <a:bodyPr wrap="none" lIns="0" tIns="0" rIns="0" bIns="0">
-            <a:spAutoFit/>
-          </a:bodyPr>
-          <a:lstStyle/>
-          <a:p>
-            <a:r>
-              <a:rPr lang="de-CH" sz="800" dirty="0">
-                <a:effectLst/>
-              </a:rPr>
-              <a:t>QUELLE/LINK</a:t>
-            </a:r>
-            <a:endParaRPr lang="de-CH" sz="800" dirty="0"/>
-          </a:p>
-        </p:txBody>
-      </p:sp>
-      <p:sp>
-        <p:nvSpPr>
-          <p:cNvPr id="2" name="Rechteck 1">
-            <a:extLst>
-              <a:ext uri="{FF2B5EF4-FFF2-40B4-BE49-F238E27FC236}">
-                <a16:creationId xmlns:a16="http://schemas.microsoft.com/office/drawing/2014/main" id="{C886CBC9-A8E9-4B16-BE4C-1051BE22E8B5}"/>
-              </a:ext>
-            </a:extLst>
-          </p:cNvPr>
-          <p:cNvSpPr/>
-          <p:nvPr/>
-        </p:nvSpPr>
-        <p:spPr>
-          <a:xfrm>
-            <a:off x="5858618" y="1240929"/>
-            <a:ext cx="3033861" cy="3721596"/>
-          </a:xfrm>
-          <a:prstGeom prst="rect">
-            <a:avLst/>
-          </a:prstGeom>
-          <a:solidFill>
-            <a:schemeClr val="bg1"/>
-          </a:solidFill>
-          <a:ln>
-            <a:solidFill>
-              <a:schemeClr val="tx1"/>
-            </a:solidFill>
-          </a:ln>
-        </p:spPr>
-        <p:style>
-          <a:lnRef idx="2">
-            <a:schemeClr val="accent1">
-              <a:shade val="50000"/>
-            </a:schemeClr>
-          </a:lnRef>
-          <a:fillRef idx="1">
-            <a:schemeClr val="accent1"/>
-          </a:fillRef>
-          <a:effectRef idx="0">
-            <a:schemeClr val="accent1"/>
-          </a:effectRef>
-          <a:fontRef idx="minor">
-            <a:schemeClr val="lt1"/>
-          </a:fontRef>
-        </p:style>
-        <p:txBody>
-          <a:bodyPr rtlCol="0" anchor="ctr"/>
-          <a:lstStyle/>
-          <a:p>
-            <a:pPr algn="ctr"/>
-            <a:r>
-              <a:rPr lang="de-CH" dirty="0">
-                <a:solidFill>
-                  <a:schemeClr val="tx1"/>
-                </a:solidFill>
-              </a:rPr>
-              <a:t>FOTO/</a:t>
-            </a:r>
-          </a:p>
-          <a:p>
-            <a:pPr algn="ctr"/>
-            <a:r>
-              <a:rPr lang="de-CH" dirty="0">
-                <a:solidFill>
-                  <a:schemeClr val="tx1"/>
-                </a:solidFill>
-              </a:rPr>
-              <a:t>GRAFIK/</a:t>
-            </a:r>
-          </a:p>
-          <a:p>
-            <a:pPr algn="ctr"/>
-            <a:r>
-              <a:rPr lang="de-CH" dirty="0">
-                <a:solidFill>
-                  <a:schemeClr val="tx1"/>
-                </a:solidFill>
-              </a:rPr>
-              <a:t>SCREENSHOT</a:t>
-            </a:r>
-          </a:p>
-        </p:txBody>
-      </p:sp>
+      </p:pic>
     </p:spTree>
     <p:extLst>
       <p:ext uri="{BB962C8B-B14F-4D97-AF65-F5344CB8AC3E}">
-        <p14:creationId xmlns:p14="http://schemas.microsoft.com/office/powerpoint/2010/main" val="3250011912"/>
+        <p14:creationId xmlns:p14="http://schemas.microsoft.com/office/powerpoint/2010/main" val="1110526854"/>
       </p:ext>
     </p:extLst>
   </p:cSld>
@@ -7978,8 +10245,13 @@
           <a:p>
             <a:r>
               <a:rPr lang="de-CH" dirty="0"/>
-              <a:t>BEISPIEL C</a:t>
-            </a:r>
+              <a:t>Puzzle ICT: </a:t>
+            </a:r>
+            <a:r>
+              <a:rPr lang="de-CH" dirty="0" err="1"/>
+              <a:t>Verification</a:t>
+            </a:r>
+            <a:endParaRPr lang="de-CH" dirty="0"/>
           </a:p>
         </p:txBody>
       </p:sp>
@@ -8006,8 +10278,129 @@
           <a:p>
             <a:r>
               <a:rPr lang="de-CH" dirty="0"/>
-              <a:t>WICHTIGSTE PUNKTE</a:t>
-            </a:r>
+              <a:t>Security </a:t>
+            </a:r>
+            <a:r>
+              <a:rPr lang="de-CH" dirty="0" err="1"/>
+              <a:t>departement</a:t>
+            </a:r>
+            <a:endParaRPr lang="de-CH" dirty="0"/>
+          </a:p>
+          <a:p>
+            <a:endParaRPr lang="de-CH" dirty="0"/>
+          </a:p>
+          <a:p>
+            <a:r>
+              <a:rPr lang="de-CH" dirty="0" err="1"/>
+              <a:t>Verification</a:t>
+            </a:r>
+            <a:r>
+              <a:rPr lang="de-CH" dirty="0"/>
+              <a:t> </a:t>
+            </a:r>
+            <a:r>
+              <a:rPr lang="de-CH" dirty="0" err="1"/>
+              <a:t>of</a:t>
+            </a:r>
+            <a:r>
+              <a:rPr lang="de-CH" dirty="0"/>
+              <a:t> </a:t>
+            </a:r>
+            <a:r>
+              <a:rPr lang="de-CH" dirty="0" err="1"/>
+              <a:t>running</a:t>
+            </a:r>
+            <a:r>
+              <a:rPr lang="de-CH" dirty="0"/>
+              <a:t> </a:t>
+            </a:r>
+            <a:r>
+              <a:rPr lang="de-CH" dirty="0" err="1"/>
+              <a:t>deployements</a:t>
+            </a:r>
+            <a:endParaRPr lang="de-CH" dirty="0"/>
+          </a:p>
+          <a:p>
+            <a:r>
+              <a:rPr lang="de-CH" dirty="0"/>
+              <a:t>Examination </a:t>
+            </a:r>
+            <a:r>
+              <a:rPr lang="de-CH" dirty="0" err="1"/>
+              <a:t>of</a:t>
+            </a:r>
+            <a:r>
+              <a:rPr lang="de-CH" dirty="0"/>
+              <a:t> </a:t>
+            </a:r>
+            <a:r>
+              <a:rPr lang="de-CH" dirty="0" err="1"/>
+              <a:t>security</a:t>
+            </a:r>
+            <a:r>
+              <a:rPr lang="de-CH" dirty="0"/>
+              <a:t> </a:t>
+            </a:r>
+            <a:r>
+              <a:rPr lang="de-CH" dirty="0" err="1"/>
+              <a:t>threats</a:t>
+            </a:r>
+            <a:endParaRPr lang="de-CH" dirty="0"/>
+          </a:p>
+          <a:p>
+            <a:r>
+              <a:rPr lang="de-CH" dirty="0" err="1"/>
+              <a:t>Verification</a:t>
+            </a:r>
+            <a:r>
+              <a:rPr lang="de-CH" dirty="0"/>
+              <a:t> </a:t>
+            </a:r>
+            <a:r>
+              <a:rPr lang="de-CH" dirty="0" err="1"/>
+              <a:t>of</a:t>
+            </a:r>
+            <a:r>
+              <a:rPr lang="de-CH" dirty="0"/>
+              <a:t> </a:t>
+            </a:r>
+            <a:r>
+              <a:rPr lang="de-CH" dirty="0" err="1"/>
+              <a:t>deployments</a:t>
+            </a:r>
+            <a:r>
+              <a:rPr lang="de-CH" dirty="0"/>
+              <a:t> </a:t>
+            </a:r>
+            <a:r>
+              <a:rPr lang="de-CH" dirty="0" err="1"/>
+              <a:t>before</a:t>
+            </a:r>
+            <a:r>
+              <a:rPr lang="de-CH" dirty="0"/>
+              <a:t> </a:t>
+            </a:r>
+            <a:r>
+              <a:rPr lang="de-CH" dirty="0" err="1"/>
+              <a:t>they</a:t>
+            </a:r>
+            <a:r>
+              <a:rPr lang="de-CH" dirty="0"/>
+              <a:t> </a:t>
+            </a:r>
+            <a:r>
+              <a:rPr lang="de-CH" dirty="0" err="1"/>
+              <a:t>become</a:t>
+            </a:r>
+            <a:r>
+              <a:rPr lang="de-CH" dirty="0"/>
+              <a:t> </a:t>
+            </a:r>
+            <a:r>
+              <a:rPr lang="de-CH" dirty="0" err="1"/>
+              <a:t>productive</a:t>
+            </a:r>
+            <a:endParaRPr lang="de-CH" dirty="0"/>
           </a:p>
         </p:txBody>
       </p:sp>
@@ -8048,93 +10441,57 @@
           </a:p>
         </p:txBody>
       </p:sp>
-      <p:sp>
-        <p:nvSpPr>
-          <p:cNvPr id="2" name="Rechteck 1">
+      <p:pic>
+        <p:nvPicPr>
+          <p:cNvPr id="3" name="Picture 2">
             <a:extLst>
               <a:ext uri="{FF2B5EF4-FFF2-40B4-BE49-F238E27FC236}">
-                <a16:creationId xmlns:a16="http://schemas.microsoft.com/office/drawing/2014/main" id="{C886CBC9-A8E9-4B16-BE4C-1051BE22E8B5}"/>
+                <a16:creationId xmlns:a16="http://schemas.microsoft.com/office/drawing/2014/main" id="{DF8D2371-FA44-3CAB-76D9-A2DB052EBDB1}"/>
               </a:ext>
             </a:extLst>
           </p:cNvPr>
-          <p:cNvSpPr/>
+          <p:cNvPicPr>
+            <a:picLocks noChangeAspect="1" noChangeArrowheads="1"/>
+          </p:cNvPicPr>
           <p:nvPr/>
-        </p:nvSpPr>
-        <p:spPr>
+        </p:nvPicPr>
+        <p:blipFill>
+          <a:blip r:embed="rId3">
+            <a:extLst>
+              <a:ext uri="{28A0092B-C50C-407E-A947-70E740481C1C}">
+                <a14:useLocalDpi xmlns:a14="http://schemas.microsoft.com/office/drawing/2010/main" val="0"/>
+              </a:ext>
+            </a:extLst>
+          </a:blip>
+          <a:srcRect/>
+          <a:stretch>
+            <a:fillRect/>
+          </a:stretch>
+        </p:blipFill>
+        <p:spPr bwMode="auto">
           <a:xfrm>
-            <a:off x="5858618" y="1240929"/>
-            <a:ext cx="3033861" cy="3721596"/>
+            <a:off x="5580112" y="2298986"/>
+            <a:ext cx="3290209" cy="2471014"/>
           </a:xfrm>
           <a:prstGeom prst="rect">
             <a:avLst/>
           </a:prstGeom>
-          <a:solidFill>
-            <a:schemeClr val="bg1"/>
-          </a:solidFill>
-          <a:ln>
-            <a:solidFill>
-              <a:schemeClr val="tx1"/>
-            </a:solidFill>
-          </a:ln>
+          <a:noFill/>
+          <a:extLst>
+            <a:ext uri="{909E8E84-426E-40DD-AFC4-6F175D3DCCD1}">
+              <a14:hiddenFill xmlns:a14="http://schemas.microsoft.com/office/drawing/2010/main">
+                <a:solidFill>
+                  <a:srgbClr val="FFFFFF"/>
+                </a:solidFill>
+              </a14:hiddenFill>
+            </a:ext>
+          </a:extLst>
         </p:spPr>
-        <p:style>
-          <a:lnRef idx="2">
-            <a:schemeClr val="accent1">
-              <a:shade val="50000"/>
-            </a:schemeClr>
-          </a:lnRef>
-          <a:fillRef idx="1">
-            <a:schemeClr val="accent1"/>
-          </a:fillRef>
-          <a:effectRef idx="0">
-            <a:schemeClr val="accent1"/>
-          </a:effectRef>
-          <a:fontRef idx="minor">
-            <a:schemeClr val="lt1"/>
-          </a:fontRef>
-        </p:style>
-        <p:txBody>
-          <a:bodyPr rtlCol="0" anchor="ctr"/>
-          <a:lstStyle/>
-          <a:p>
-            <a:pPr algn="ctr"/>
-            <a:r>
-              <a:rPr lang="de-CH" dirty="0">
-                <a:solidFill>
-                  <a:schemeClr val="tx1"/>
-                </a:solidFill>
-              </a:rPr>
-              <a:t>FOTO/</a:t>
-            </a:r>
-          </a:p>
-          <a:p>
-            <a:pPr algn="ctr"/>
-            <a:r>
-              <a:rPr lang="de-CH" dirty="0">
-                <a:solidFill>
-                  <a:schemeClr val="tx1"/>
-                </a:solidFill>
-              </a:rPr>
-              <a:t>GRAFIK/</a:t>
-            </a:r>
-          </a:p>
-          <a:p>
-            <a:pPr algn="ctr"/>
-            <a:r>
-              <a:rPr lang="de-CH" dirty="0">
-                <a:solidFill>
-                  <a:schemeClr val="tx1"/>
-                </a:solidFill>
-              </a:rPr>
-              <a:t>SCREENSHOT</a:t>
-            </a:r>
-          </a:p>
-        </p:txBody>
-      </p:sp>
+      </p:pic>
     </p:spTree>
     <p:extLst>
       <p:ext uri="{BB962C8B-B14F-4D97-AF65-F5344CB8AC3E}">
-        <p14:creationId xmlns:p14="http://schemas.microsoft.com/office/powerpoint/2010/main" val="4209406870"/>
+        <p14:creationId xmlns:p14="http://schemas.microsoft.com/office/powerpoint/2010/main" val="1159027612"/>
       </p:ext>
     </p:extLst>
   </p:cSld>
